--- a/Identity and Access Management.pptx
+++ b/Identity and Access Management.pptx
@@ -3,53 +3,54 @@
 <p:presentation xmlns:a="http://schemas.openxmlformats.org/drawingml/2006/main" xmlns:r="http://schemas.openxmlformats.org/officeDocument/2006/relationships" xmlns:p="http://schemas.openxmlformats.org/presentationml/2006/main" saveSubsetFonts="1" autoCompressPictures="0">
   <p:sldMasterIdLst>
     <p:sldMasterId id="2147484476" r:id="rId4"/>
+    <p:sldMasterId id="2147484492" r:id="rId5"/>
   </p:sldMasterIdLst>
   <p:notesMasterIdLst>
-    <p:notesMasterId r:id="rId44"/>
+    <p:notesMasterId r:id="rId45"/>
   </p:notesMasterIdLst>
   <p:handoutMasterIdLst>
-    <p:handoutMasterId r:id="rId45"/>
+    <p:handoutMasterId r:id="rId46"/>
   </p:handoutMasterIdLst>
   <p:sldIdLst>
-    <p:sldId id="1570" r:id="rId5"/>
-    <p:sldId id="1574" r:id="rId6"/>
-    <p:sldId id="1500" r:id="rId7"/>
-    <p:sldId id="1589" r:id="rId8"/>
-    <p:sldId id="1604" r:id="rId9"/>
-    <p:sldId id="1577" r:id="rId10"/>
-    <p:sldId id="1509" r:id="rId11"/>
-    <p:sldId id="1511" r:id="rId12"/>
-    <p:sldId id="1499" r:id="rId13"/>
-    <p:sldId id="1504" r:id="rId14"/>
-    <p:sldId id="1578" r:id="rId15"/>
-    <p:sldId id="1588" r:id="rId16"/>
-    <p:sldId id="1579" r:id="rId17"/>
-    <p:sldId id="1527" r:id="rId18"/>
-    <p:sldId id="1529" r:id="rId19"/>
-    <p:sldId id="1580" r:id="rId20"/>
-    <p:sldId id="1586" r:id="rId21"/>
-    <p:sldId id="1583" r:id="rId22"/>
-    <p:sldId id="1584" r:id="rId23"/>
-    <p:sldId id="1582" r:id="rId24"/>
-    <p:sldId id="1587" r:id="rId25"/>
-    <p:sldId id="1585" r:id="rId26"/>
-    <p:sldId id="1605" r:id="rId27"/>
-    <p:sldId id="1539" r:id="rId28"/>
-    <p:sldId id="1590" r:id="rId29"/>
-    <p:sldId id="1598" r:id="rId30"/>
-    <p:sldId id="1599" r:id="rId31"/>
-    <p:sldId id="1601" r:id="rId32"/>
-    <p:sldId id="1596" r:id="rId33"/>
-    <p:sldId id="1597" r:id="rId34"/>
-    <p:sldId id="1591" r:id="rId35"/>
-    <p:sldId id="1592" r:id="rId36"/>
-    <p:sldId id="1593" r:id="rId37"/>
-    <p:sldId id="1594" r:id="rId38"/>
-    <p:sldId id="1595" r:id="rId39"/>
-    <p:sldId id="1544" r:id="rId40"/>
-    <p:sldId id="1602" r:id="rId41"/>
-    <p:sldId id="1603" r:id="rId42"/>
-    <p:sldId id="1496" r:id="rId43"/>
+    <p:sldId id="1570" r:id="rId6"/>
+    <p:sldId id="1574" r:id="rId7"/>
+    <p:sldId id="1500" r:id="rId8"/>
+    <p:sldId id="1589" r:id="rId9"/>
+    <p:sldId id="1604" r:id="rId10"/>
+    <p:sldId id="1577" r:id="rId11"/>
+    <p:sldId id="1509" r:id="rId12"/>
+    <p:sldId id="1511" r:id="rId13"/>
+    <p:sldId id="1499" r:id="rId14"/>
+    <p:sldId id="1504" r:id="rId15"/>
+    <p:sldId id="1578" r:id="rId16"/>
+    <p:sldId id="1588" r:id="rId17"/>
+    <p:sldId id="1579" r:id="rId18"/>
+    <p:sldId id="1527" r:id="rId19"/>
+    <p:sldId id="1529" r:id="rId20"/>
+    <p:sldId id="1580" r:id="rId21"/>
+    <p:sldId id="1586" r:id="rId22"/>
+    <p:sldId id="1583" r:id="rId23"/>
+    <p:sldId id="1584" r:id="rId24"/>
+    <p:sldId id="1582" r:id="rId25"/>
+    <p:sldId id="1587" r:id="rId26"/>
+    <p:sldId id="1585" r:id="rId27"/>
+    <p:sldId id="1605" r:id="rId28"/>
+    <p:sldId id="1539" r:id="rId29"/>
+    <p:sldId id="1590" r:id="rId30"/>
+    <p:sldId id="1598" r:id="rId31"/>
+    <p:sldId id="1599" r:id="rId32"/>
+    <p:sldId id="1601" r:id="rId33"/>
+    <p:sldId id="1596" r:id="rId34"/>
+    <p:sldId id="1597" r:id="rId35"/>
+    <p:sldId id="1591" r:id="rId36"/>
+    <p:sldId id="1592" r:id="rId37"/>
+    <p:sldId id="1593" r:id="rId38"/>
+    <p:sldId id="1594" r:id="rId39"/>
+    <p:sldId id="1595" r:id="rId40"/>
+    <p:sldId id="1544" r:id="rId41"/>
+    <p:sldId id="1602" r:id="rId42"/>
+    <p:sldId id="1603" r:id="rId43"/>
+    <p:sldId id="1496" r:id="rId44"/>
   </p:sldIdLst>
   <p:sldSz cx="12436475" cy="6994525"/>
   <p:notesSz cx="6858000" cy="9144000"/>
@@ -343,7 +344,7 @@
               <a:rPr lang="en-US" smtClean="0">
                 <a:latin typeface="Segoe UI" pitchFamily="34" charset="0"/>
               </a:rPr>
-              <a:t>14-01-2016 08:22</a:t>
+              <a:t>6/23/2016 8:13 PM</a:t>
             </a:fld>
             <a:endParaRPr lang="en-US" dirty="0">
               <a:latin typeface="Segoe UI" pitchFamily="34" charset="0"/>
@@ -624,7 +625,7 @@
           <a:p>
             <a:fld id="{38EEC551-8CDA-4EB6-89BB-2A86C9F091C8}" type="datetime8">
               <a:rPr lang="en-US" smtClean="0"/>
-              <a:t>14-01-2016 08:22</a:t>
+              <a:t>6/23/2016 8:13 PM</a:t>
             </a:fld>
             <a:endParaRPr lang="en-US" dirty="0"/>
           </a:p>
@@ -1030,7 +1031,7 @@
           <a:p>
             <a:fld id="{38EEC551-8CDA-4EB6-89BB-2A86C9F091C8}" type="datetime8">
               <a:rPr lang="en-US" smtClean="0"/>
-              <a:t>14-01-2016 08:22</a:t>
+              <a:t>6/23/2016 8:13 PM</a:t>
             </a:fld>
             <a:endParaRPr lang="en-US" dirty="0"/>
           </a:p>
@@ -1295,7 +1296,7 @@
           <a:p>
             <a:fld id="{38EEC551-8CDA-4EB6-89BB-2A86C9F091C8}" type="datetime8">
               <a:rPr lang="en-US" smtClean="0"/>
-              <a:t>14-01-2016 08:22</a:t>
+              <a:t>6/23/2016 8:13 PM</a:t>
             </a:fld>
             <a:endParaRPr lang="en-US" dirty="0"/>
           </a:p>
@@ -1507,7 +1508,7 @@
           <a:p>
             <a:fld id="{38EEC551-8CDA-4EB6-89BB-2A86C9F091C8}" type="datetime8">
               <a:rPr lang="en-US" smtClean="0"/>
-              <a:t>14-01-2016 08:22</a:t>
+              <a:t>6/23/2016 8:13 PM</a:t>
             </a:fld>
             <a:endParaRPr lang="en-US" dirty="0"/>
           </a:p>
@@ -1829,7 +1830,7 @@
           <a:p>
             <a:fld id="{38EEC551-8CDA-4EB6-89BB-2A86C9F091C8}" type="datetime8">
               <a:rPr lang="en-US" smtClean="0"/>
-              <a:t>14-01-2016 08:22</a:t>
+              <a:t>6/23/2016 8:13 PM</a:t>
             </a:fld>
             <a:endParaRPr lang="en-US" dirty="0"/>
           </a:p>
@@ -2041,7 +2042,7 @@
           <a:p>
             <a:fld id="{38EEC551-8CDA-4EB6-89BB-2A86C9F091C8}" type="datetime8">
               <a:rPr lang="en-US" smtClean="0"/>
-              <a:t>14-01-2016 08:22</a:t>
+              <a:t>6/23/2016 8:13 PM</a:t>
             </a:fld>
             <a:endParaRPr lang="en-US" dirty="0"/>
           </a:p>
@@ -2289,7 +2290,7 @@
           <a:p>
             <a:fld id="{38EEC551-8CDA-4EB6-89BB-2A86C9F091C8}" type="datetime8">
               <a:rPr lang="en-US" smtClean="0"/>
-              <a:t>14-01-2016 08:22</a:t>
+              <a:t>6/23/2016 8:13 PM</a:t>
             </a:fld>
             <a:endParaRPr lang="en-US" dirty="0"/>
           </a:p>
@@ -2474,7 +2475,7 @@
           <a:p>
             <a:fld id="{38EEC551-8CDA-4EB6-89BB-2A86C9F091C8}" type="datetime8">
               <a:rPr lang="en-US" smtClean="0"/>
-              <a:t>14-01-2016 08:22</a:t>
+              <a:t>6/23/2016 8:13 PM</a:t>
             </a:fld>
             <a:endParaRPr lang="en-US" dirty="0"/>
           </a:p>
@@ -2729,7 +2730,7 @@
           <a:p>
             <a:fld id="{38EEC551-8CDA-4EB6-89BB-2A86C9F091C8}" type="datetime8">
               <a:rPr lang="en-US" smtClean="0"/>
-              <a:t>14-01-2016 08:22</a:t>
+              <a:t>6/23/2016 8:13 PM</a:t>
             </a:fld>
             <a:endParaRPr lang="en-US" dirty="0"/>
           </a:p>
@@ -2964,7 +2965,7 @@
           <a:p>
             <a:fld id="{38EEC551-8CDA-4EB6-89BB-2A86C9F091C8}" type="datetime8">
               <a:rPr lang="en-US" smtClean="0"/>
-              <a:t>14-01-2016 08:22</a:t>
+              <a:t>6/23/2016 8:13 PM</a:t>
             </a:fld>
             <a:endParaRPr lang="en-US" dirty="0"/>
           </a:p>
@@ -3168,7 +3169,7 @@
           <a:p>
             <a:fld id="{38EEC551-8CDA-4EB6-89BB-2A86C9F091C8}" type="datetime8">
               <a:rPr lang="en-US" smtClean="0"/>
-              <a:t>14-01-2016 08:22</a:t>
+              <a:t>6/23/2016 8:13 PM</a:t>
             </a:fld>
             <a:endParaRPr lang="en-US" dirty="0"/>
           </a:p>
@@ -3359,7 +3360,7 @@
           <a:p>
             <a:fld id="{38EEC551-8CDA-4EB6-89BB-2A86C9F091C8}" type="datetime8">
               <a:rPr lang="en-US" smtClean="0"/>
-              <a:t>14-01-2016 08:22</a:t>
+              <a:t>6/23/2016 8:13 PM</a:t>
             </a:fld>
             <a:endParaRPr lang="en-US" dirty="0"/>
           </a:p>
@@ -3678,7 +3679,7 @@
           <a:p>
             <a:fld id="{38EEC551-8CDA-4EB6-89BB-2A86C9F091C8}" type="datetime8">
               <a:rPr lang="en-US" smtClean="0"/>
-              <a:t>14-01-2016 08:22</a:t>
+              <a:t>6/23/2016 8:13 PM</a:t>
             </a:fld>
             <a:endParaRPr lang="en-US" dirty="0"/>
           </a:p>
@@ -3936,7 +3937,7 @@
           <a:p>
             <a:fld id="{38EEC551-8CDA-4EB6-89BB-2A86C9F091C8}" type="datetime8">
               <a:rPr lang="en-US" smtClean="0"/>
-              <a:t>14-01-2016 08:22</a:t>
+              <a:t>6/23/2016 8:13 PM</a:t>
             </a:fld>
             <a:endParaRPr lang="en-US" dirty="0"/>
           </a:p>
@@ -4121,7 +4122,7 @@
           <a:p>
             <a:fld id="{38EEC551-8CDA-4EB6-89BB-2A86C9F091C8}" type="datetime8">
               <a:rPr lang="en-US" smtClean="0"/>
-              <a:t>14-01-2016 08:22</a:t>
+              <a:t>6/23/2016 8:13 PM</a:t>
             </a:fld>
             <a:endParaRPr lang="en-US" dirty="0"/>
           </a:p>
@@ -4481,7 +4482,7 @@
           <a:p>
             <a:fld id="{38EEC551-8CDA-4EB6-89BB-2A86C9F091C8}" type="datetime8">
               <a:rPr lang="en-US" smtClean="0"/>
-              <a:t>14-01-2016 08:22</a:t>
+              <a:t>6/23/2016 8:13 PM</a:t>
             </a:fld>
             <a:endParaRPr lang="en-US" dirty="0"/>
           </a:p>
@@ -4691,7 +4692,7 @@
           <a:p>
             <a:fld id="{38EEC551-8CDA-4EB6-89BB-2A86C9F091C8}" type="datetime8">
               <a:rPr lang="en-US" smtClean="0"/>
-              <a:t>14-01-2016 08:22</a:t>
+              <a:t>6/23/2016 8:13 PM</a:t>
             </a:fld>
             <a:endParaRPr lang="en-US" dirty="0"/>
           </a:p>
@@ -4904,7 +4905,7 @@
           <a:p>
             <a:fld id="{38EEC551-8CDA-4EB6-89BB-2A86C9F091C8}" type="datetime8">
               <a:rPr lang="en-US" smtClean="0"/>
-              <a:t>14-01-2016 08:22</a:t>
+              <a:t>6/23/2016 8:13 PM</a:t>
             </a:fld>
             <a:endParaRPr lang="en-US" dirty="0"/>
           </a:p>
@@ -5130,7 +5131,7 @@
           <a:p>
             <a:fld id="{38EEC551-8CDA-4EB6-89BB-2A86C9F091C8}" type="datetime8">
               <a:rPr lang="en-US" smtClean="0"/>
-              <a:t>14-01-2016 08:22</a:t>
+              <a:t>6/23/2016 8:13 PM</a:t>
             </a:fld>
             <a:endParaRPr lang="en-US" dirty="0"/>
           </a:p>
@@ -5315,7 +5316,7 @@
           <a:p>
             <a:fld id="{38EEC551-8CDA-4EB6-89BB-2A86C9F091C8}" type="datetime8">
               <a:rPr lang="en-US" smtClean="0"/>
-              <a:t>14-01-2016 08:22</a:t>
+              <a:t>6/23/2016 8:13 PM</a:t>
             </a:fld>
             <a:endParaRPr lang="en-US" dirty="0"/>
           </a:p>
@@ -5503,7 +5504,7 @@
           <a:p>
             <a:fld id="{38EEC551-8CDA-4EB6-89BB-2A86C9F091C8}" type="datetime8">
               <a:rPr lang="en-US" smtClean="0"/>
-              <a:t>14-01-2016 08:22</a:t>
+              <a:t>6/23/2016 8:13 PM</a:t>
             </a:fld>
             <a:endParaRPr lang="en-US" dirty="0"/>
           </a:p>
@@ -5806,7 +5807,7 @@
           <a:p>
             <a:fld id="{38EEC551-8CDA-4EB6-89BB-2A86C9F091C8}" type="datetime8">
               <a:rPr lang="en-US" smtClean="0"/>
-              <a:t>14-01-2016 08:22</a:t>
+              <a:t>6/23/2016 8:13 PM</a:t>
             </a:fld>
             <a:endParaRPr lang="en-US" dirty="0"/>
           </a:p>
@@ -6013,7 +6014,7 @@
           <a:p>
             <a:fld id="{38EEC551-8CDA-4EB6-89BB-2A86C9F091C8}" type="datetime8">
               <a:rPr lang="en-US" smtClean="0"/>
-              <a:t>14-01-2016 08:22</a:t>
+              <a:t>6/23/2016 8:13 PM</a:t>
             </a:fld>
             <a:endParaRPr lang="en-US" dirty="0"/>
           </a:p>
@@ -6198,7 +6199,7 @@
           <a:p>
             <a:fld id="{38EEC551-8CDA-4EB6-89BB-2A86C9F091C8}" type="datetime8">
               <a:rPr lang="en-US" smtClean="0"/>
-              <a:t>14-01-2016 08:22</a:t>
+              <a:t>6/23/2016 8:13 PM</a:t>
             </a:fld>
             <a:endParaRPr lang="en-US" dirty="0"/>
           </a:p>
@@ -6436,7 +6437,7 @@
           <a:p>
             <a:fld id="{38EEC551-8CDA-4EB6-89BB-2A86C9F091C8}" type="datetime8">
               <a:rPr lang="en-US" smtClean="0"/>
-              <a:t>14-01-2016 08:22</a:t>
+              <a:t>6/23/2016 8:13 PM</a:t>
             </a:fld>
             <a:endParaRPr lang="en-US" dirty="0"/>
           </a:p>
@@ -6624,7 +6625,7 @@
           <a:p>
             <a:fld id="{38EEC551-8CDA-4EB6-89BB-2A86C9F091C8}" type="datetime8">
               <a:rPr lang="en-US" smtClean="0"/>
-              <a:t>14-01-2016 08:22</a:t>
+              <a:t>6/23/2016 8:13 PM</a:t>
             </a:fld>
             <a:endParaRPr lang="en-US" dirty="0"/>
           </a:p>
@@ -6821,7 +6822,7 @@
           <a:p>
             <a:fld id="{38EEC551-8CDA-4EB6-89BB-2A86C9F091C8}" type="datetime8">
               <a:rPr lang="en-US" smtClean="0"/>
-              <a:t>14-01-2016 08:22</a:t>
+              <a:t>6/23/2016 8:13 PM</a:t>
             </a:fld>
             <a:endParaRPr lang="en-US" dirty="0"/>
           </a:p>
@@ -7029,7 +7030,7 @@
           <a:p>
             <a:fld id="{38EEC551-8CDA-4EB6-89BB-2A86C9F091C8}" type="datetime8">
               <a:rPr lang="en-US" smtClean="0"/>
-              <a:t>14-01-2016 08:22</a:t>
+              <a:t>6/23/2016 8:13 PM</a:t>
             </a:fld>
             <a:endParaRPr lang="en-US" dirty="0"/>
           </a:p>
@@ -7214,7 +7215,7 @@
           <a:p>
             <a:fld id="{38EEC551-8CDA-4EB6-89BB-2A86C9F091C8}" type="datetime8">
               <a:rPr lang="en-US" smtClean="0"/>
-              <a:t>14-01-2016 08:22</a:t>
+              <a:t>6/23/2016 8:13 PM</a:t>
             </a:fld>
             <a:endParaRPr lang="en-US" dirty="0"/>
           </a:p>
@@ -7532,7 +7533,7 @@
           <a:p>
             <a:fld id="{38EEC551-8CDA-4EB6-89BB-2A86C9F091C8}" type="datetime8">
               <a:rPr lang="en-US" smtClean="0"/>
-              <a:t>14-01-2016 08:22</a:t>
+              <a:t>6/23/2016 8:13 PM</a:t>
             </a:fld>
             <a:endParaRPr lang="en-US" dirty="0"/>
           </a:p>
@@ -7880,7 +7881,7 @@
           <a:p>
             <a:fld id="{38EEC551-8CDA-4EB6-89BB-2A86C9F091C8}" type="datetime8">
               <a:rPr lang="en-US" smtClean="0"/>
-              <a:t>14-01-2016 08:22</a:t>
+              <a:t>6/23/2016 8:13 PM</a:t>
             </a:fld>
             <a:endParaRPr lang="en-US" dirty="0"/>
           </a:p>
@@ -8115,7 +8116,7 @@
           <a:p>
             <a:fld id="{38EEC551-8CDA-4EB6-89BB-2A86C9F091C8}" type="datetime8">
               <a:rPr lang="en-US" smtClean="0"/>
-              <a:t>14-01-2016 08:22</a:t>
+              <a:t>6/23/2016 8:13 PM</a:t>
             </a:fld>
             <a:endParaRPr lang="en-US" dirty="0"/>
           </a:p>
@@ -8326,7 +8327,7 @@
           <a:p>
             <a:fld id="{38EEC551-8CDA-4EB6-89BB-2A86C9F091C8}" type="datetime8">
               <a:rPr lang="en-US" smtClean="0"/>
-              <a:t>14-01-2016 08:22</a:t>
+              <a:t>6/23/2016 8:13 PM</a:t>
             </a:fld>
             <a:endParaRPr lang="en-US" dirty="0"/>
           </a:p>
@@ -8526,7 +8527,7 @@
           <a:p>
             <a:fld id="{38EEC551-8CDA-4EB6-89BB-2A86C9F091C8}" type="datetime8">
               <a:rPr lang="en-US" smtClean="0"/>
-              <a:t>14-01-2016 08:22</a:t>
+              <a:t>6/23/2016 8:13 PM</a:t>
             </a:fld>
             <a:endParaRPr lang="en-US" dirty="0"/>
           </a:p>
@@ -8878,7 +8879,7 @@
           <a:p>
             <a:fld id="{38EEC551-8CDA-4EB6-89BB-2A86C9F091C8}" type="datetime8">
               <a:rPr lang="en-US" smtClean="0"/>
-              <a:t>14-01-2016 08:22</a:t>
+              <a:t>6/23/2016 8:13 PM</a:t>
             </a:fld>
             <a:endParaRPr lang="en-US" dirty="0"/>
           </a:p>
@@ -10180,6 +10181,654 @@
 </p:sldLayout>
 </file>
 
+<file path=ppt/slideLayouts/slideLayout16.xml><?xml version="1.0" encoding="utf-8"?>
+<p:sldLayout xmlns:a="http://schemas.openxmlformats.org/drawingml/2006/main" xmlns:r="http://schemas.openxmlformats.org/officeDocument/2006/relationships" xmlns:p="http://schemas.openxmlformats.org/presentationml/2006/main" preserve="1">
+  <p:cSld name="Title Slide">
+    <p:spTree>
+      <p:nvGrpSpPr>
+        <p:cNvPr id="1" name=""/>
+        <p:cNvGrpSpPr/>
+        <p:nvPr/>
+      </p:nvGrpSpPr>
+      <p:grpSpPr>
+        <a:xfrm>
+          <a:off x="0" y="0"/>
+          <a:ext cx="0" cy="0"/>
+          <a:chOff x="0" y="0"/>
+          <a:chExt cx="0" cy="0"/>
+        </a:xfrm>
+      </p:grpSpPr>
+      <p:pic>
+        <p:nvPicPr>
+          <p:cNvPr id="6" name="Picture 5"/>
+          <p:cNvPicPr>
+            <a:picLocks noChangeAspect="1"/>
+          </p:cNvPicPr>
+          <p:nvPr/>
+        </p:nvPicPr>
+        <p:blipFill>
+          <a:blip r:embed="rId2"/>
+          <a:stretch>
+            <a:fillRect/>
+          </a:stretch>
+        </p:blipFill>
+        <p:spPr>
+          <a:xfrm>
+            <a:off x="1028" y="1"/>
+            <a:ext cx="12435447" cy="6528223"/>
+          </a:xfrm>
+          <a:prstGeom prst="rect">
+            <a:avLst/>
+          </a:prstGeom>
+        </p:spPr>
+      </p:pic>
+      <p:sp>
+        <p:nvSpPr>
+          <p:cNvPr id="7" name="TextBox 6"/>
+          <p:cNvSpPr txBox="1"/>
+          <p:nvPr/>
+        </p:nvSpPr>
+        <p:spPr>
+          <a:xfrm>
+            <a:off x="1216355" y="1467045"/>
+            <a:ext cx="4862887" cy="1792389"/>
+          </a:xfrm>
+          <a:prstGeom prst="rect">
+            <a:avLst/>
+          </a:prstGeom>
+          <a:noFill/>
+        </p:spPr>
+        <p:txBody>
+          <a:bodyPr wrap="square" lIns="186521" tIns="149217" rIns="186521" bIns="149217" rtlCol="0">
+            <a:spAutoFit/>
+          </a:bodyPr>
+          <a:lstStyle/>
+          <a:p>
+            <a:pPr marL="0" marR="0" lvl="0" indent="0" algn="l" defTabSz="932597" rtl="0" eaLnBrk="1" fontAlgn="auto" latinLnBrk="0" hangingPunct="1">
+              <a:lnSpc>
+                <a:spcPts val="5711"/>
+              </a:lnSpc>
+              <a:spcBef>
+                <a:spcPts val="0"/>
+              </a:spcBef>
+              <a:spcAft>
+                <a:spcPts val="0"/>
+              </a:spcAft>
+              <a:buClrTx/>
+              <a:buSzTx/>
+              <a:buFontTx/>
+              <a:buNone/>
+              <a:tabLst/>
+              <a:defRPr/>
+            </a:pPr>
+            <a:r>
+              <a:rPr kumimoji="0" lang="en-US" sz="5507" b="0" i="0" u="none" strike="noStrike" kern="1200" cap="none" spc="0" normalizeH="0" baseline="0" noProof="0" dirty="0">
+                <a:ln>
+                  <a:noFill/>
+                </a:ln>
+                <a:solidFill>
+                  <a:srgbClr val="00B0F0"/>
+                </a:solidFill>
+                <a:effectLst/>
+                <a:uLnTx/>
+                <a:uFillTx/>
+                <a:latin typeface="Segoe UI Light"/>
+                <a:ea typeface="+mn-ea"/>
+                <a:cs typeface="+mn-cs"/>
+              </a:rPr>
+              <a:t>   </a:t>
+            </a:r>
+            <a:r>
+              <a:rPr kumimoji="0" lang="en-US" sz="6119" b="0" i="0" u="none" strike="noStrike" kern="1200" cap="none" spc="0" normalizeH="0" baseline="0" noProof="0" dirty="0">
+                <a:ln>
+                  <a:noFill/>
+                </a:ln>
+                <a:solidFill>
+                  <a:srgbClr val="0070C0"/>
+                </a:solidFill>
+                <a:effectLst/>
+                <a:uLnTx/>
+                <a:uFillTx/>
+                <a:latin typeface="Segoe UI Light"/>
+                <a:ea typeface="+mn-ea"/>
+                <a:cs typeface="+mn-cs"/>
+              </a:rPr>
+              <a:t>Architect</a:t>
+            </a:r>
+          </a:p>
+          <a:p>
+            <a:pPr marL="0" marR="0" lvl="0" indent="0" algn="l" defTabSz="932597" rtl="0" eaLnBrk="1" fontAlgn="auto" latinLnBrk="0" hangingPunct="1">
+              <a:lnSpc>
+                <a:spcPts val="5711"/>
+              </a:lnSpc>
+              <a:spcBef>
+                <a:spcPts val="0"/>
+              </a:spcBef>
+              <a:spcAft>
+                <a:spcPts val="0"/>
+              </a:spcAft>
+              <a:buClrTx/>
+              <a:buSzTx/>
+              <a:buFontTx/>
+              <a:buNone/>
+              <a:tabLst/>
+              <a:defRPr/>
+            </a:pPr>
+            <a:r>
+              <a:rPr kumimoji="0" lang="en-US" sz="6119" b="0" i="0" u="none" strike="noStrike" kern="1200" cap="none" spc="0" normalizeH="0" baseline="0" noProof="0" dirty="0">
+                <a:ln>
+                  <a:noFill/>
+                </a:ln>
+                <a:solidFill>
+                  <a:srgbClr val="0070C0"/>
+                </a:solidFill>
+                <a:effectLst/>
+                <a:uLnTx/>
+                <a:uFillTx/>
+                <a:latin typeface="Segoe UI Light"/>
+                <a:ea typeface="+mn-ea"/>
+                <a:cs typeface="+mn-cs"/>
+              </a:rPr>
+              <a:t>to Architect</a:t>
+            </a:r>
+          </a:p>
+        </p:txBody>
+      </p:sp>
+      <p:sp>
+        <p:nvSpPr>
+          <p:cNvPr id="8" name="TextBox 7"/>
+          <p:cNvSpPr txBox="1"/>
+          <p:nvPr/>
+        </p:nvSpPr>
+        <p:spPr>
+          <a:xfrm>
+            <a:off x="0" y="2925892"/>
+            <a:ext cx="8175758" cy="837599"/>
+          </a:xfrm>
+          <a:prstGeom prst="rect">
+            <a:avLst/>
+          </a:prstGeom>
+          <a:noFill/>
+        </p:spPr>
+        <p:txBody>
+          <a:bodyPr wrap="square" lIns="186521" tIns="149217" rIns="186521" bIns="149217" rtlCol="0">
+            <a:spAutoFit/>
+          </a:bodyPr>
+          <a:lstStyle/>
+          <a:p>
+            <a:pPr marL="0" marR="0" lvl="0" indent="0" algn="l" defTabSz="932597" rtl="0" eaLnBrk="1" fontAlgn="auto" latinLnBrk="0" hangingPunct="1">
+              <a:lnSpc>
+                <a:spcPts val="4080"/>
+              </a:lnSpc>
+              <a:spcBef>
+                <a:spcPts val="0"/>
+              </a:spcBef>
+              <a:spcAft>
+                <a:spcPts val="0"/>
+              </a:spcAft>
+              <a:buClrTx/>
+              <a:buSzTx/>
+              <a:buFontTx/>
+              <a:buNone/>
+              <a:tabLst/>
+              <a:defRPr/>
+            </a:pPr>
+            <a:r>
+              <a:rPr kumimoji="0" lang="en-US" sz="1632" b="0" i="0" u="none" strike="noStrike" kern="1200" cap="none" spc="306" normalizeH="0" baseline="0" noProof="0" dirty="0">
+                <a:ln>
+                  <a:noFill/>
+                </a:ln>
+                <a:solidFill>
+                  <a:srgbClr val="0070C0"/>
+                </a:solidFill>
+                <a:effectLst/>
+                <a:uLnTx/>
+                <a:uFillTx/>
+                <a:latin typeface="Segoe UI"/>
+                <a:ea typeface="+mn-ea"/>
+                <a:cs typeface="+mn-cs"/>
+              </a:rPr>
+              <a:t>Training &amp; Practice Building for Solution Architects</a:t>
+            </a:r>
+          </a:p>
+        </p:txBody>
+      </p:sp>
+      <p:sp>
+        <p:nvSpPr>
+          <p:cNvPr id="9" name="Text Placeholder 2"/>
+          <p:cNvSpPr>
+            <a:spLocks noGrp="1"/>
+          </p:cNvSpPr>
+          <p:nvPr>
+            <p:ph type="body" sz="quarter" idx="10" hasCustomPrompt="1"/>
+          </p:nvPr>
+        </p:nvSpPr>
+        <p:spPr>
+          <a:xfrm>
+            <a:off x="298385" y="3753677"/>
+            <a:ext cx="11688894" cy="1035882"/>
+          </a:xfrm>
+        </p:spPr>
+        <p:txBody>
+          <a:bodyPr/>
+          <a:lstStyle>
+            <a:lvl1pPr marL="0" indent="0">
+              <a:buNone/>
+              <a:defRPr sz="6119" baseline="0">
+                <a:solidFill>
+                  <a:srgbClr val="1574B8"/>
+                </a:solidFill>
+                <a:latin typeface="Segoe UI Light" panose="020B0502040204020203" pitchFamily="34" charset="0"/>
+                <a:cs typeface="Segoe UI Light" panose="020B0502040204020203" pitchFamily="34" charset="0"/>
+              </a:defRPr>
+            </a:lvl1pPr>
+            <a:lvl2pPr marL="342834" indent="0" algn="l">
+              <a:buFontTx/>
+              <a:buNone/>
+              <a:defRPr sz="3672">
+                <a:solidFill>
+                  <a:schemeClr val="bg2"/>
+                </a:solidFill>
+              </a:defRPr>
+            </a:lvl2pPr>
+            <a:lvl3pPr>
+              <a:defRPr sz="3672"/>
+            </a:lvl3pPr>
+            <a:lvl4pPr>
+              <a:defRPr sz="3672"/>
+            </a:lvl4pPr>
+            <a:lvl5pPr>
+              <a:defRPr sz="3672"/>
+            </a:lvl5pPr>
+          </a:lstStyle>
+          <a:p>
+            <a:pPr lvl="0"/>
+            <a:r>
+              <a:rPr lang="en-US" dirty="0"/>
+              <a:t>Click to edit session title</a:t>
+            </a:r>
+          </a:p>
+        </p:txBody>
+      </p:sp>
+      <p:sp>
+        <p:nvSpPr>
+          <p:cNvPr id="10" name="Text Placeholder 2"/>
+          <p:cNvSpPr>
+            <a:spLocks noGrp="1"/>
+          </p:cNvSpPr>
+          <p:nvPr>
+            <p:ph type="body" sz="quarter" idx="11" hasCustomPrompt="1"/>
+          </p:nvPr>
+        </p:nvSpPr>
+        <p:spPr>
+          <a:xfrm>
+            <a:off x="298385" y="5295933"/>
+            <a:ext cx="11688894" cy="583860"/>
+          </a:xfrm>
+        </p:spPr>
+        <p:txBody>
+          <a:bodyPr/>
+          <a:lstStyle>
+            <a:lvl1pPr marL="0" indent="0">
+              <a:buNone/>
+              <a:defRPr sz="2856" i="1">
+                <a:solidFill>
+                  <a:schemeClr val="bg2"/>
+                </a:solidFill>
+                <a:latin typeface="+mn-lt"/>
+              </a:defRPr>
+            </a:lvl1pPr>
+            <a:lvl2pPr marL="342834" indent="0" algn="l">
+              <a:buFontTx/>
+              <a:buNone/>
+              <a:defRPr sz="3672">
+                <a:solidFill>
+                  <a:schemeClr val="bg2"/>
+                </a:solidFill>
+              </a:defRPr>
+            </a:lvl2pPr>
+            <a:lvl3pPr>
+              <a:defRPr sz="3672"/>
+            </a:lvl3pPr>
+            <a:lvl4pPr>
+              <a:defRPr sz="3672"/>
+            </a:lvl4pPr>
+            <a:lvl5pPr>
+              <a:defRPr sz="3672"/>
+            </a:lvl5pPr>
+          </a:lstStyle>
+          <a:p>
+            <a:pPr lvl="0"/>
+            <a:r>
+              <a:rPr lang="en-US" dirty="0"/>
+              <a:t>Click to edit speaker name</a:t>
+            </a:r>
+          </a:p>
+        </p:txBody>
+      </p:sp>
+      <p:sp>
+        <p:nvSpPr>
+          <p:cNvPr id="11" name="Text Placeholder 2"/>
+          <p:cNvSpPr>
+            <a:spLocks noGrp="1"/>
+          </p:cNvSpPr>
+          <p:nvPr>
+            <p:ph type="body" sz="quarter" idx="12" hasCustomPrompt="1"/>
+          </p:nvPr>
+        </p:nvSpPr>
+        <p:spPr>
+          <a:xfrm>
+            <a:off x="298385" y="5883502"/>
+            <a:ext cx="11688892" cy="470856"/>
+          </a:xfrm>
+        </p:spPr>
+        <p:txBody>
+          <a:bodyPr/>
+          <a:lstStyle>
+            <a:lvl1pPr marL="0" indent="0">
+              <a:buNone/>
+              <a:defRPr sz="2040" i="0" baseline="0">
+                <a:solidFill>
+                  <a:schemeClr val="bg2"/>
+                </a:solidFill>
+              </a:defRPr>
+            </a:lvl1pPr>
+            <a:lvl2pPr marL="342834" indent="0" algn="l">
+              <a:buFontTx/>
+              <a:buNone/>
+              <a:defRPr sz="3672">
+                <a:solidFill>
+                  <a:schemeClr val="bg2"/>
+                </a:solidFill>
+              </a:defRPr>
+            </a:lvl2pPr>
+            <a:lvl3pPr>
+              <a:defRPr sz="3672"/>
+            </a:lvl3pPr>
+            <a:lvl4pPr>
+              <a:defRPr sz="3672"/>
+            </a:lvl4pPr>
+            <a:lvl5pPr>
+              <a:defRPr sz="3672"/>
+            </a:lvl5pPr>
+          </a:lstStyle>
+          <a:p>
+            <a:pPr lvl="0"/>
+            <a:r>
+              <a:rPr lang="en-US" dirty="0"/>
+              <a:t>Click to edit contact information (Twitter, Blog, Email, etc.)</a:t>
+            </a:r>
+          </a:p>
+        </p:txBody>
+      </p:sp>
+    </p:spTree>
+    <p:extLst>
+      <p:ext uri="{BB962C8B-B14F-4D97-AF65-F5344CB8AC3E}">
+        <p14:creationId xmlns:p14="http://schemas.microsoft.com/office/powerpoint/2010/main" val="3919396750"/>
+      </p:ext>
+    </p:extLst>
+  </p:cSld>
+  <p:clrMapOvr>
+    <a:masterClrMapping/>
+  </p:clrMapOvr>
+  <p:transition>
+    <p:fade/>
+  </p:transition>
+</p:sldLayout>
+</file>
+
+<file path=ppt/slideLayouts/slideLayout17.xml><?xml version="1.0" encoding="utf-8"?>
+<p:sldLayout xmlns:a="http://schemas.openxmlformats.org/drawingml/2006/main" xmlns:r="http://schemas.openxmlformats.org/officeDocument/2006/relationships" xmlns:p="http://schemas.openxmlformats.org/presentationml/2006/main" preserve="1">
+  <p:cSld name="Section Slide">
+    <p:bg>
+      <p:bgPr>
+        <a:solidFill>
+          <a:srgbClr val="1574B8"/>
+        </a:solidFill>
+        <a:effectLst/>
+      </p:bgPr>
+    </p:bg>
+    <p:spTree>
+      <p:nvGrpSpPr>
+        <p:cNvPr id="1" name=""/>
+        <p:cNvGrpSpPr/>
+        <p:nvPr/>
+      </p:nvGrpSpPr>
+      <p:grpSpPr>
+        <a:xfrm>
+          <a:off x="0" y="0"/>
+          <a:ext cx="0" cy="0"/>
+          <a:chOff x="0" y="0"/>
+          <a:chExt cx="0" cy="0"/>
+        </a:xfrm>
+      </p:grpSpPr>
+      <p:pic>
+        <p:nvPicPr>
+          <p:cNvPr id="6" name="Picture 5"/>
+          <p:cNvPicPr>
+            <a:picLocks noChangeAspect="1"/>
+          </p:cNvPicPr>
+          <p:nvPr/>
+        </p:nvPicPr>
+        <p:blipFill>
+          <a:blip r:embed="rId2"/>
+          <a:stretch>
+            <a:fillRect/>
+          </a:stretch>
+        </p:blipFill>
+        <p:spPr>
+          <a:xfrm>
+            <a:off x="0" y="0"/>
+            <a:ext cx="12436475" cy="2915699"/>
+          </a:xfrm>
+          <a:prstGeom prst="rect">
+            <a:avLst/>
+          </a:prstGeom>
+        </p:spPr>
+      </p:pic>
+      <p:sp>
+        <p:nvSpPr>
+          <p:cNvPr id="7" name="Title 1"/>
+          <p:cNvSpPr>
+            <a:spLocks noGrp="1"/>
+          </p:cNvSpPr>
+          <p:nvPr>
+            <p:ph type="title" hasCustomPrompt="1"/>
+          </p:nvPr>
+        </p:nvSpPr>
+        <p:spPr>
+          <a:xfrm>
+            <a:off x="274321" y="3762633"/>
+            <a:ext cx="11773301" cy="917575"/>
+          </a:xfrm>
+        </p:spPr>
+        <p:txBody>
+          <a:bodyPr/>
+          <a:lstStyle>
+            <a:lvl1pPr algn="ctr">
+              <a:defRPr baseline="0"/>
+            </a:lvl1pPr>
+          </a:lstStyle>
+          <a:p>
+            <a:r>
+              <a:rPr lang="en-US" dirty="0"/>
+              <a:t>Click to edit section name</a:t>
+            </a:r>
+          </a:p>
+        </p:txBody>
+      </p:sp>
+      <p:sp>
+        <p:nvSpPr>
+          <p:cNvPr id="8" name="TextBox 7"/>
+          <p:cNvSpPr txBox="1"/>
+          <p:nvPr/>
+        </p:nvSpPr>
+        <p:spPr>
+          <a:xfrm>
+            <a:off x="794079" y="1045279"/>
+            <a:ext cx="3815509" cy="1373851"/>
+          </a:xfrm>
+          <a:prstGeom prst="rect">
+            <a:avLst/>
+          </a:prstGeom>
+          <a:noFill/>
+        </p:spPr>
+        <p:txBody>
+          <a:bodyPr wrap="square" lIns="186521" tIns="149217" rIns="186521" bIns="149217" rtlCol="0">
+            <a:spAutoFit/>
+          </a:bodyPr>
+          <a:lstStyle/>
+          <a:p>
+            <a:pPr marL="0" marR="0" lvl="0" indent="0" algn="ctr" defTabSz="932597" rtl="0" eaLnBrk="1" fontAlgn="auto" latinLnBrk="0" hangingPunct="1">
+              <a:lnSpc>
+                <a:spcPts val="4080"/>
+              </a:lnSpc>
+              <a:spcBef>
+                <a:spcPts val="0"/>
+              </a:spcBef>
+              <a:spcAft>
+                <a:spcPts val="0"/>
+              </a:spcAft>
+              <a:buClrTx/>
+              <a:buSzTx/>
+              <a:buFontTx/>
+              <a:buNone/>
+              <a:tabLst/>
+              <a:defRPr/>
+            </a:pPr>
+            <a:r>
+              <a:rPr kumimoji="0" lang="en-US" sz="3672" b="0" i="0" u="none" strike="noStrike" kern="1200" cap="none" spc="0" normalizeH="0" baseline="0" noProof="0" dirty="0">
+                <a:ln>
+                  <a:noFill/>
+                </a:ln>
+                <a:solidFill>
+                  <a:srgbClr val="0070C0"/>
+                </a:solidFill>
+                <a:effectLst/>
+                <a:uLnTx/>
+                <a:uFillTx/>
+                <a:latin typeface="Segoe UI Light"/>
+                <a:ea typeface="+mn-ea"/>
+                <a:cs typeface="+mn-cs"/>
+              </a:rPr>
+              <a:t>Architect to Architect</a:t>
+            </a:r>
+          </a:p>
+        </p:txBody>
+      </p:sp>
+    </p:spTree>
+    <p:extLst>
+      <p:ext uri="{BB962C8B-B14F-4D97-AF65-F5344CB8AC3E}">
+        <p14:creationId xmlns:p14="http://schemas.microsoft.com/office/powerpoint/2010/main" val="2053423249"/>
+      </p:ext>
+    </p:extLst>
+  </p:cSld>
+  <p:clrMapOvr>
+    <a:masterClrMapping/>
+  </p:clrMapOvr>
+  <p:transition>
+    <p:fade/>
+  </p:transition>
+</p:sldLayout>
+</file>
+
+<file path=ppt/slideLayouts/slideLayout18.xml><?xml version="1.0" encoding="utf-8"?>
+<p:sldLayout xmlns:a="http://schemas.openxmlformats.org/drawingml/2006/main" xmlns:r="http://schemas.openxmlformats.org/officeDocument/2006/relationships" xmlns:p="http://schemas.openxmlformats.org/presentationml/2006/main" preserve="1">
+  <p:cSld name="Blank">
+    <p:spTree>
+      <p:nvGrpSpPr>
+        <p:cNvPr id="1" name=""/>
+        <p:cNvGrpSpPr/>
+        <p:nvPr/>
+      </p:nvGrpSpPr>
+      <p:grpSpPr>
+        <a:xfrm>
+          <a:off x="0" y="0"/>
+          <a:ext cx="0" cy="0"/>
+          <a:chOff x="0" y="0"/>
+          <a:chExt cx="0" cy="0"/>
+        </a:xfrm>
+      </p:grpSpPr>
+    </p:spTree>
+    <p:extLst>
+      <p:ext uri="{BB962C8B-B14F-4D97-AF65-F5344CB8AC3E}">
+        <p14:creationId xmlns:p14="http://schemas.microsoft.com/office/powerpoint/2010/main" val="1611988130"/>
+      </p:ext>
+    </p:extLst>
+  </p:cSld>
+  <p:clrMapOvr>
+    <a:masterClrMapping/>
+  </p:clrMapOvr>
+  <p:transition>
+    <p:fade/>
+  </p:transition>
+</p:sldLayout>
+</file>
+
+<file path=ppt/slideLayouts/slideLayout19.xml><?xml version="1.0" encoding="utf-8"?>
+<p:sldLayout xmlns:a="http://schemas.openxmlformats.org/drawingml/2006/main" xmlns:r="http://schemas.openxmlformats.org/officeDocument/2006/relationships" xmlns:p="http://schemas.openxmlformats.org/presentationml/2006/main" preserve="1">
+  <p:cSld name="Title Only">
+    <p:bg>
+      <p:bgPr>
+        <a:solidFill>
+          <a:srgbClr val="1574B8"/>
+        </a:solidFill>
+        <a:effectLst/>
+      </p:bgPr>
+    </p:bg>
+    <p:spTree>
+      <p:nvGrpSpPr>
+        <p:cNvPr id="1" name=""/>
+        <p:cNvGrpSpPr/>
+        <p:nvPr/>
+      </p:nvGrpSpPr>
+      <p:grpSpPr>
+        <a:xfrm>
+          <a:off x="0" y="0"/>
+          <a:ext cx="0" cy="0"/>
+          <a:chOff x="0" y="0"/>
+          <a:chExt cx="0" cy="0"/>
+        </a:xfrm>
+      </p:grpSpPr>
+      <p:sp>
+        <p:nvSpPr>
+          <p:cNvPr id="2" name="Title 1"/>
+          <p:cNvSpPr>
+            <a:spLocks noGrp="1"/>
+          </p:cNvSpPr>
+          <p:nvPr>
+            <p:ph type="title"/>
+          </p:nvPr>
+        </p:nvSpPr>
+        <p:spPr/>
+        <p:txBody>
+          <a:bodyPr/>
+          <a:lstStyle/>
+          <a:p>
+            <a:r>
+              <a:rPr lang="en-US"/>
+              <a:t>Click to edit Master title style</a:t>
+            </a:r>
+            <a:endParaRPr lang="en-US" dirty="0"/>
+          </a:p>
+        </p:txBody>
+      </p:sp>
+    </p:spTree>
+    <p:extLst>
+      <p:ext uri="{BB962C8B-B14F-4D97-AF65-F5344CB8AC3E}">
+        <p14:creationId xmlns:p14="http://schemas.microsoft.com/office/powerpoint/2010/main" val="236394612"/>
+      </p:ext>
+    </p:extLst>
+  </p:cSld>
+  <p:clrMapOvr>
+    <a:masterClrMapping/>
+  </p:clrMapOvr>
+  <p:transition>
+    <p:fade/>
+  </p:transition>
+</p:sldLayout>
+</file>
+
 <file path=ppt/slideLayouts/slideLayout2.xml><?xml version="1.0" encoding="utf-8"?>
 <p:sldLayout xmlns:a="http://schemas.openxmlformats.org/drawingml/2006/main" xmlns:r="http://schemas.openxmlformats.org/officeDocument/2006/relationships" xmlns:p="http://schemas.openxmlformats.org/presentationml/2006/main" preserve="1">
   <p:cSld name="Section Slide">
@@ -10335,6 +10984,1628 @@
 </p:sldLayout>
 </file>
 
+<file path=ppt/slideLayouts/slideLayout20.xml><?xml version="1.0" encoding="utf-8"?>
+<p:sldLayout xmlns:a="http://schemas.openxmlformats.org/drawingml/2006/main" xmlns:r="http://schemas.openxmlformats.org/officeDocument/2006/relationships" xmlns:p="http://schemas.openxmlformats.org/presentationml/2006/main" preserve="1">
+  <p:cSld name="Code - Graphic Bottom">
+    <p:bg>
+      <p:bgPr>
+        <a:solidFill>
+          <a:srgbClr val="1574B8"/>
+        </a:solidFill>
+        <a:effectLst/>
+      </p:bgPr>
+    </p:bg>
+    <p:spTree>
+      <p:nvGrpSpPr>
+        <p:cNvPr id="1" name=""/>
+        <p:cNvGrpSpPr/>
+        <p:nvPr/>
+      </p:nvGrpSpPr>
+      <p:grpSpPr>
+        <a:xfrm>
+          <a:off x="0" y="0"/>
+          <a:ext cx="0" cy="0"/>
+          <a:chOff x="0" y="0"/>
+          <a:chExt cx="0" cy="0"/>
+        </a:xfrm>
+      </p:grpSpPr>
+      <p:sp>
+        <p:nvSpPr>
+          <p:cNvPr id="2" name="Title 1"/>
+          <p:cNvSpPr>
+            <a:spLocks noGrp="1"/>
+          </p:cNvSpPr>
+          <p:nvPr>
+            <p:ph type="title"/>
+          </p:nvPr>
+        </p:nvSpPr>
+        <p:spPr/>
+        <p:txBody>
+          <a:bodyPr/>
+          <a:lstStyle/>
+          <a:p>
+            <a:r>
+              <a:rPr lang="en-US"/>
+              <a:t>Click to edit Master title style</a:t>
+            </a:r>
+          </a:p>
+        </p:txBody>
+      </p:sp>
+      <p:sp>
+        <p:nvSpPr>
+          <p:cNvPr id="9" name="Text Placeholder 8"/>
+          <p:cNvSpPr>
+            <a:spLocks noGrp="1"/>
+          </p:cNvSpPr>
+          <p:nvPr>
+            <p:ph type="body" sz="quarter" idx="10"/>
+          </p:nvPr>
+        </p:nvSpPr>
+        <p:spPr>
+          <a:xfrm>
+            <a:off x="274639" y="1439863"/>
+            <a:ext cx="11887200" cy="461665"/>
+          </a:xfrm>
+          <a:solidFill>
+            <a:schemeClr val="tx1"/>
+          </a:solidFill>
+        </p:spPr>
+        <p:txBody>
+          <a:bodyPr/>
+          <a:lstStyle>
+            <a:lvl1pPr marL="0" indent="0">
+              <a:buNone/>
+              <a:defRPr sz="2000">
+                <a:solidFill>
+                  <a:schemeClr val="bg1"/>
+                </a:solidFill>
+                <a:latin typeface="Courier New" panose="02070309020205020404" pitchFamily="49" charset="0"/>
+                <a:cs typeface="Courier New" panose="02070309020205020404" pitchFamily="49" charset="0"/>
+              </a:defRPr>
+            </a:lvl1pPr>
+          </a:lstStyle>
+          <a:p>
+            <a:pPr lvl="0"/>
+            <a:r>
+              <a:rPr lang="en-US"/>
+              <a:t>Edit Master text styles</a:t>
+            </a:r>
+          </a:p>
+        </p:txBody>
+      </p:sp>
+    </p:spTree>
+    <p:extLst>
+      <p:ext uri="{BB962C8B-B14F-4D97-AF65-F5344CB8AC3E}">
+        <p14:creationId xmlns:p14="http://schemas.microsoft.com/office/powerpoint/2010/main" val="2072359664"/>
+      </p:ext>
+    </p:extLst>
+  </p:cSld>
+  <p:clrMapOvr>
+    <a:masterClrMapping/>
+  </p:clrMapOvr>
+  <p:transition>
+    <p:fade/>
+  </p:transition>
+</p:sldLayout>
+</file>
+
+<file path=ppt/slideLayouts/slideLayout21.xml><?xml version="1.0" encoding="utf-8"?>
+<p:sldLayout xmlns:a="http://schemas.openxmlformats.org/drawingml/2006/main" xmlns:r="http://schemas.openxmlformats.org/officeDocument/2006/relationships" xmlns:p="http://schemas.openxmlformats.org/presentationml/2006/main" preserve="1">
+  <p:cSld name="Title and Content">
+    <p:bg>
+      <p:bgPr>
+        <a:solidFill>
+          <a:srgbClr val="1574B8"/>
+        </a:solidFill>
+        <a:effectLst/>
+      </p:bgPr>
+    </p:bg>
+    <p:spTree>
+      <p:nvGrpSpPr>
+        <p:cNvPr id="1" name=""/>
+        <p:cNvGrpSpPr/>
+        <p:nvPr/>
+      </p:nvGrpSpPr>
+      <p:grpSpPr>
+        <a:xfrm>
+          <a:off x="0" y="0"/>
+          <a:ext cx="0" cy="0"/>
+          <a:chOff x="0" y="0"/>
+          <a:chExt cx="0" cy="0"/>
+        </a:xfrm>
+      </p:grpSpPr>
+      <p:sp>
+        <p:nvSpPr>
+          <p:cNvPr id="2" name="Title 1"/>
+          <p:cNvSpPr>
+            <a:spLocks noGrp="1"/>
+          </p:cNvSpPr>
+          <p:nvPr>
+            <p:ph type="title"/>
+          </p:nvPr>
+        </p:nvSpPr>
+        <p:spPr/>
+        <p:txBody>
+          <a:bodyPr/>
+          <a:lstStyle/>
+          <a:p>
+            <a:r>
+              <a:rPr lang="en-US"/>
+              <a:t>Click to edit Master title style</a:t>
+            </a:r>
+          </a:p>
+        </p:txBody>
+      </p:sp>
+      <p:sp>
+        <p:nvSpPr>
+          <p:cNvPr id="6" name="Content Placeholder 6"/>
+          <p:cNvSpPr>
+            <a:spLocks noGrp="1"/>
+          </p:cNvSpPr>
+          <p:nvPr>
+            <p:ph sz="quarter" idx="10"/>
+          </p:nvPr>
+        </p:nvSpPr>
+        <p:spPr>
+          <a:xfrm>
+            <a:off x="273668" y="1426235"/>
+            <a:ext cx="11773954" cy="1923988"/>
+          </a:xfrm>
+        </p:spPr>
+        <p:txBody>
+          <a:bodyPr/>
+          <a:lstStyle/>
+          <a:p>
+            <a:pPr lvl="0"/>
+            <a:r>
+              <a:rPr lang="en-US"/>
+              <a:t>Edit Master text styles</a:t>
+            </a:r>
+          </a:p>
+          <a:p>
+            <a:pPr lvl="1"/>
+            <a:r>
+              <a:rPr lang="en-US"/>
+              <a:t>Second level</a:t>
+            </a:r>
+          </a:p>
+          <a:p>
+            <a:pPr lvl="2"/>
+            <a:r>
+              <a:rPr lang="en-US"/>
+              <a:t>Third level</a:t>
+            </a:r>
+          </a:p>
+        </p:txBody>
+      </p:sp>
+    </p:spTree>
+    <p:extLst>
+      <p:ext uri="{BB962C8B-B14F-4D97-AF65-F5344CB8AC3E}">
+        <p14:creationId xmlns:p14="http://schemas.microsoft.com/office/powerpoint/2010/main" val="233884260"/>
+      </p:ext>
+    </p:extLst>
+  </p:cSld>
+  <p:clrMapOvr>
+    <a:masterClrMapping/>
+  </p:clrMapOvr>
+  <p:transition>
+    <p:fade/>
+  </p:transition>
+</p:sldLayout>
+</file>
+
+<file path=ppt/slideLayouts/slideLayout22.xml><?xml version="1.0" encoding="utf-8"?>
+<p:sldLayout xmlns:a="http://schemas.openxmlformats.org/drawingml/2006/main" xmlns:r="http://schemas.openxmlformats.org/officeDocument/2006/relationships" xmlns:p="http://schemas.openxmlformats.org/presentationml/2006/main" preserve="1">
+  <p:cSld name="Title and Content - 2 Column">
+    <p:bg>
+      <p:bgPr>
+        <a:solidFill>
+          <a:srgbClr val="1574B8"/>
+        </a:solidFill>
+        <a:effectLst/>
+      </p:bgPr>
+    </p:bg>
+    <p:spTree>
+      <p:nvGrpSpPr>
+        <p:cNvPr id="1" name=""/>
+        <p:cNvGrpSpPr/>
+        <p:nvPr/>
+      </p:nvGrpSpPr>
+      <p:grpSpPr>
+        <a:xfrm>
+          <a:off x="0" y="0"/>
+          <a:ext cx="0" cy="0"/>
+          <a:chOff x="0" y="0"/>
+          <a:chExt cx="0" cy="0"/>
+        </a:xfrm>
+      </p:grpSpPr>
+      <p:sp>
+        <p:nvSpPr>
+          <p:cNvPr id="5" name="Title 1"/>
+          <p:cNvSpPr>
+            <a:spLocks noGrp="1"/>
+          </p:cNvSpPr>
+          <p:nvPr>
+            <p:ph type="title"/>
+          </p:nvPr>
+        </p:nvSpPr>
+        <p:spPr>
+          <a:xfrm>
+            <a:off x="274322" y="296863"/>
+            <a:ext cx="11887516" cy="917575"/>
+          </a:xfrm>
+        </p:spPr>
+        <p:txBody>
+          <a:bodyPr/>
+          <a:lstStyle/>
+          <a:p>
+            <a:r>
+              <a:rPr lang="en-US"/>
+              <a:t>Click to edit Master title style</a:t>
+            </a:r>
+            <a:endParaRPr lang="en-US" dirty="0"/>
+          </a:p>
+        </p:txBody>
+      </p:sp>
+      <p:sp>
+        <p:nvSpPr>
+          <p:cNvPr id="7" name="Content Placeholder 6"/>
+          <p:cNvSpPr>
+            <a:spLocks noGrp="1"/>
+          </p:cNvSpPr>
+          <p:nvPr>
+            <p:ph sz="quarter" idx="10"/>
+          </p:nvPr>
+        </p:nvSpPr>
+        <p:spPr>
+          <a:xfrm>
+            <a:off x="273668" y="1415403"/>
+            <a:ext cx="5604713" cy="1927368"/>
+          </a:xfrm>
+        </p:spPr>
+        <p:txBody>
+          <a:bodyPr/>
+          <a:lstStyle/>
+          <a:p>
+            <a:pPr lvl="0"/>
+            <a:r>
+              <a:rPr lang="en-US"/>
+              <a:t>Edit Master text styles</a:t>
+            </a:r>
+          </a:p>
+          <a:p>
+            <a:pPr lvl="1"/>
+            <a:r>
+              <a:rPr lang="en-US"/>
+              <a:t>Second level</a:t>
+            </a:r>
+          </a:p>
+          <a:p>
+            <a:pPr lvl="2"/>
+            <a:r>
+              <a:rPr lang="en-US"/>
+              <a:t>Third level</a:t>
+            </a:r>
+          </a:p>
+        </p:txBody>
+      </p:sp>
+      <p:sp>
+        <p:nvSpPr>
+          <p:cNvPr id="8" name="Content Placeholder 6"/>
+          <p:cNvSpPr>
+            <a:spLocks noGrp="1"/>
+          </p:cNvSpPr>
+          <p:nvPr>
+            <p:ph sz="quarter" idx="11"/>
+          </p:nvPr>
+        </p:nvSpPr>
+        <p:spPr>
+          <a:xfrm>
+            <a:off x="6561222" y="1415403"/>
+            <a:ext cx="5600616" cy="1927368"/>
+          </a:xfrm>
+        </p:spPr>
+        <p:txBody>
+          <a:bodyPr/>
+          <a:lstStyle/>
+          <a:p>
+            <a:pPr lvl="0"/>
+            <a:r>
+              <a:rPr lang="en-US"/>
+              <a:t>Edit Master text styles</a:t>
+            </a:r>
+          </a:p>
+          <a:p>
+            <a:pPr lvl="1"/>
+            <a:r>
+              <a:rPr lang="en-US"/>
+              <a:t>Second level</a:t>
+            </a:r>
+          </a:p>
+          <a:p>
+            <a:pPr lvl="2"/>
+            <a:r>
+              <a:rPr lang="en-US"/>
+              <a:t>Third level</a:t>
+            </a:r>
+          </a:p>
+        </p:txBody>
+      </p:sp>
+    </p:spTree>
+    <p:extLst>
+      <p:ext uri="{BB962C8B-B14F-4D97-AF65-F5344CB8AC3E}">
+        <p14:creationId xmlns:p14="http://schemas.microsoft.com/office/powerpoint/2010/main" val="2733433110"/>
+      </p:ext>
+    </p:extLst>
+  </p:cSld>
+  <p:clrMapOvr>
+    <a:masterClrMapping/>
+  </p:clrMapOvr>
+  <p:transition>
+    <p:fade/>
+  </p:transition>
+</p:sldLayout>
+</file>
+
+<file path=ppt/slideLayouts/slideLayout23.xml><?xml version="1.0" encoding="utf-8"?>
+<p:sldLayout xmlns:a="http://schemas.openxmlformats.org/drawingml/2006/main" xmlns:r="http://schemas.openxmlformats.org/officeDocument/2006/relationships" xmlns:p="http://schemas.openxmlformats.org/presentationml/2006/main" preserve="1">
+  <p:cSld name="Title and Compare">
+    <p:bg>
+      <p:bgPr>
+        <a:solidFill>
+          <a:srgbClr val="1574B8"/>
+        </a:solidFill>
+        <a:effectLst/>
+      </p:bgPr>
+    </p:bg>
+    <p:spTree>
+      <p:nvGrpSpPr>
+        <p:cNvPr id="1" name=""/>
+        <p:cNvGrpSpPr/>
+        <p:nvPr/>
+      </p:nvGrpSpPr>
+      <p:grpSpPr>
+        <a:xfrm>
+          <a:off x="0" y="0"/>
+          <a:ext cx="0" cy="0"/>
+          <a:chOff x="0" y="0"/>
+          <a:chExt cx="0" cy="0"/>
+        </a:xfrm>
+      </p:grpSpPr>
+      <p:sp>
+        <p:nvSpPr>
+          <p:cNvPr id="7" name="Content Placeholder 6"/>
+          <p:cNvSpPr>
+            <a:spLocks noGrp="1"/>
+          </p:cNvSpPr>
+          <p:nvPr>
+            <p:ph sz="quarter" idx="10"/>
+          </p:nvPr>
+        </p:nvSpPr>
+        <p:spPr>
+          <a:xfrm>
+            <a:off x="298999" y="2298616"/>
+            <a:ext cx="5486400" cy="1927368"/>
+          </a:xfrm>
+        </p:spPr>
+        <p:txBody>
+          <a:bodyPr/>
+          <a:lstStyle/>
+          <a:p>
+            <a:pPr lvl="0"/>
+            <a:r>
+              <a:rPr lang="en-US"/>
+              <a:t>Edit Master text styles</a:t>
+            </a:r>
+          </a:p>
+          <a:p>
+            <a:pPr lvl="1"/>
+            <a:r>
+              <a:rPr lang="en-US"/>
+              <a:t>Second level</a:t>
+            </a:r>
+          </a:p>
+          <a:p>
+            <a:pPr lvl="2"/>
+            <a:r>
+              <a:rPr lang="en-US"/>
+              <a:t>Third level</a:t>
+            </a:r>
+          </a:p>
+        </p:txBody>
+      </p:sp>
+      <p:sp>
+        <p:nvSpPr>
+          <p:cNvPr id="8" name="Content Placeholder 6"/>
+          <p:cNvSpPr>
+            <a:spLocks noGrp="1"/>
+          </p:cNvSpPr>
+          <p:nvPr>
+            <p:ph sz="quarter" idx="11"/>
+          </p:nvPr>
+        </p:nvSpPr>
+        <p:spPr>
+          <a:xfrm>
+            <a:off x="6586553" y="2298616"/>
+            <a:ext cx="5486400" cy="1927368"/>
+          </a:xfrm>
+        </p:spPr>
+        <p:txBody>
+          <a:bodyPr/>
+          <a:lstStyle/>
+          <a:p>
+            <a:pPr lvl="0"/>
+            <a:r>
+              <a:rPr lang="en-US"/>
+              <a:t>Edit Master text styles</a:t>
+            </a:r>
+          </a:p>
+          <a:p>
+            <a:pPr lvl="1"/>
+            <a:r>
+              <a:rPr lang="en-US"/>
+              <a:t>Second level</a:t>
+            </a:r>
+          </a:p>
+          <a:p>
+            <a:pPr lvl="2"/>
+            <a:r>
+              <a:rPr lang="en-US"/>
+              <a:t>Third level</a:t>
+            </a:r>
+          </a:p>
+        </p:txBody>
+      </p:sp>
+      <p:sp>
+        <p:nvSpPr>
+          <p:cNvPr id="9" name="Content Placeholder 6"/>
+          <p:cNvSpPr>
+            <a:spLocks noGrp="1"/>
+          </p:cNvSpPr>
+          <p:nvPr>
+            <p:ph sz="quarter" idx="12" hasCustomPrompt="1"/>
+          </p:nvPr>
+        </p:nvSpPr>
+        <p:spPr>
+          <a:xfrm>
+            <a:off x="299652" y="1394616"/>
+            <a:ext cx="5486400" cy="683264"/>
+          </a:xfrm>
+        </p:spPr>
+        <p:txBody>
+          <a:bodyPr/>
+          <a:lstStyle>
+            <a:lvl1pPr marL="0" indent="0">
+              <a:buNone/>
+              <a:defRPr sz="3599" b="1" baseline="0"/>
+            </a:lvl1pPr>
+          </a:lstStyle>
+          <a:p>
+            <a:pPr lvl="0"/>
+            <a:r>
+              <a:rPr lang="en-US" dirty="0"/>
+              <a:t>Comparison 1</a:t>
+            </a:r>
+          </a:p>
+        </p:txBody>
+      </p:sp>
+      <p:sp>
+        <p:nvSpPr>
+          <p:cNvPr id="10" name="Content Placeholder 6"/>
+          <p:cNvSpPr>
+            <a:spLocks noGrp="1"/>
+          </p:cNvSpPr>
+          <p:nvPr>
+            <p:ph sz="quarter" idx="13" hasCustomPrompt="1"/>
+          </p:nvPr>
+        </p:nvSpPr>
+        <p:spPr>
+          <a:xfrm>
+            <a:off x="6587206" y="1394616"/>
+            <a:ext cx="5486400" cy="683264"/>
+          </a:xfrm>
+        </p:spPr>
+        <p:txBody>
+          <a:bodyPr/>
+          <a:lstStyle>
+            <a:lvl1pPr marL="0" indent="0">
+              <a:buNone/>
+              <a:defRPr sz="3599" b="1"/>
+            </a:lvl1pPr>
+          </a:lstStyle>
+          <a:p>
+            <a:pPr lvl="0"/>
+            <a:r>
+              <a:rPr lang="en-US" dirty="0"/>
+              <a:t>Comparison 1</a:t>
+            </a:r>
+          </a:p>
+        </p:txBody>
+      </p:sp>
+      <p:sp>
+        <p:nvSpPr>
+          <p:cNvPr id="11" name="Title 1"/>
+          <p:cNvSpPr>
+            <a:spLocks noGrp="1"/>
+          </p:cNvSpPr>
+          <p:nvPr>
+            <p:ph type="title"/>
+          </p:nvPr>
+        </p:nvSpPr>
+        <p:spPr>
+          <a:xfrm>
+            <a:off x="274322" y="296863"/>
+            <a:ext cx="11887516" cy="917575"/>
+          </a:xfrm>
+        </p:spPr>
+        <p:txBody>
+          <a:bodyPr/>
+          <a:lstStyle/>
+          <a:p>
+            <a:r>
+              <a:rPr lang="en-US"/>
+              <a:t>Click to edit Master title style</a:t>
+            </a:r>
+            <a:endParaRPr lang="en-US" dirty="0"/>
+          </a:p>
+        </p:txBody>
+      </p:sp>
+    </p:spTree>
+    <p:extLst>
+      <p:ext uri="{BB962C8B-B14F-4D97-AF65-F5344CB8AC3E}">
+        <p14:creationId xmlns:p14="http://schemas.microsoft.com/office/powerpoint/2010/main" val="3758459570"/>
+      </p:ext>
+    </p:extLst>
+  </p:cSld>
+  <p:clrMapOvr>
+    <a:masterClrMapping/>
+  </p:clrMapOvr>
+  <p:transition>
+    <p:fade/>
+  </p:transition>
+</p:sldLayout>
+</file>
+
+<file path=ppt/slideLayouts/slideLayout24.xml><?xml version="1.0" encoding="utf-8"?>
+<p:sldLayout xmlns:a="http://schemas.openxmlformats.org/drawingml/2006/main" xmlns:r="http://schemas.openxmlformats.org/officeDocument/2006/relationships" xmlns:p="http://schemas.openxmlformats.org/presentationml/2006/main" preserve="1">
+  <p:cSld name="Demo">
+    <p:bg>
+      <p:bgPr>
+        <a:solidFill>
+          <a:srgbClr val="1574B8"/>
+        </a:solidFill>
+        <a:effectLst/>
+      </p:bgPr>
+    </p:bg>
+    <p:spTree>
+      <p:nvGrpSpPr>
+        <p:cNvPr id="1" name=""/>
+        <p:cNvGrpSpPr/>
+        <p:nvPr/>
+      </p:nvGrpSpPr>
+      <p:grpSpPr>
+        <a:xfrm>
+          <a:off x="0" y="0"/>
+          <a:ext cx="0" cy="0"/>
+          <a:chOff x="0" y="0"/>
+          <a:chExt cx="0" cy="0"/>
+        </a:xfrm>
+      </p:grpSpPr>
+      <p:sp>
+        <p:nvSpPr>
+          <p:cNvPr id="7" name="Text Placeholder 3"/>
+          <p:cNvSpPr>
+            <a:spLocks noGrp="1"/>
+          </p:cNvSpPr>
+          <p:nvPr>
+            <p:ph type="body" sz="quarter" idx="10" hasCustomPrompt="1"/>
+          </p:nvPr>
+        </p:nvSpPr>
+        <p:spPr>
+          <a:xfrm>
+            <a:off x="484551" y="4624204"/>
+            <a:ext cx="11465786" cy="696866"/>
+          </a:xfrm>
+        </p:spPr>
+        <p:txBody>
+          <a:bodyPr/>
+          <a:lstStyle>
+            <a:lvl1pPr marL="0" indent="0" algn="r">
+              <a:buNone/>
+              <a:defRPr sz="3672" i="0"/>
+            </a:lvl1pPr>
+            <a:lvl2pPr marL="342834" indent="0">
+              <a:buNone/>
+              <a:defRPr/>
+            </a:lvl2pPr>
+            <a:lvl3pPr marL="571390" indent="0">
+              <a:buNone/>
+              <a:defRPr/>
+            </a:lvl3pPr>
+            <a:lvl4pPr marL="799946" indent="0">
+              <a:buNone/>
+              <a:defRPr/>
+            </a:lvl4pPr>
+            <a:lvl5pPr marL="1028503" indent="0">
+              <a:buNone/>
+              <a:defRPr/>
+            </a:lvl5pPr>
+          </a:lstStyle>
+          <a:p>
+            <a:pPr lvl="0"/>
+            <a:r>
+              <a:rPr lang="en-US" dirty="0"/>
+              <a:t>Click to edit demo name</a:t>
+            </a:r>
+          </a:p>
+        </p:txBody>
+      </p:sp>
+      <p:sp>
+        <p:nvSpPr>
+          <p:cNvPr id="8" name="TextBox 7"/>
+          <p:cNvSpPr txBox="1"/>
+          <p:nvPr/>
+        </p:nvSpPr>
+        <p:spPr>
+          <a:xfrm>
+            <a:off x="7721193" y="2707882"/>
+            <a:ext cx="4305995" cy="1958170"/>
+          </a:xfrm>
+          <a:prstGeom prst="rect">
+            <a:avLst/>
+          </a:prstGeom>
+          <a:noFill/>
+        </p:spPr>
+        <p:txBody>
+          <a:bodyPr wrap="none" lIns="186521" tIns="149217" rIns="186521" bIns="149217" rtlCol="0">
+            <a:spAutoFit/>
+          </a:bodyPr>
+          <a:lstStyle/>
+          <a:p>
+            <a:pPr marL="0" marR="0" lvl="0" indent="0" algn="l" defTabSz="932597" rtl="0" eaLnBrk="1" fontAlgn="auto" latinLnBrk="0" hangingPunct="1">
+              <a:lnSpc>
+                <a:spcPct val="90000"/>
+              </a:lnSpc>
+              <a:spcBef>
+                <a:spcPts val="0"/>
+              </a:spcBef>
+              <a:spcAft>
+                <a:spcPts val="612"/>
+              </a:spcAft>
+              <a:buClrTx/>
+              <a:buSzTx/>
+              <a:buFontTx/>
+              <a:buNone/>
+              <a:tabLst/>
+              <a:defRPr/>
+            </a:pPr>
+            <a:r>
+              <a:rPr kumimoji="0" lang="en-US" sz="11729" b="0" i="0" u="none" strike="noStrike" kern="1200" cap="none" spc="0" normalizeH="0" baseline="0" noProof="0" dirty="0">
+                <a:ln>
+                  <a:noFill/>
+                </a:ln>
+                <a:gradFill>
+                  <a:gsLst>
+                    <a:gs pos="2917">
+                      <a:prstClr val="white"/>
+                    </a:gs>
+                    <a:gs pos="30000">
+                      <a:prstClr val="white"/>
+                    </a:gs>
+                  </a:gsLst>
+                  <a:lin ang="5400000" scaled="0"/>
+                </a:gradFill>
+                <a:effectLst/>
+                <a:uLnTx/>
+                <a:uFillTx/>
+                <a:latin typeface="Segoe UI Light"/>
+                <a:ea typeface="+mn-ea"/>
+                <a:cs typeface="+mn-cs"/>
+              </a:rPr>
+              <a:t>Demo</a:t>
+            </a:r>
+          </a:p>
+        </p:txBody>
+      </p:sp>
+      <p:pic>
+        <p:nvPicPr>
+          <p:cNvPr id="6" name="Picture 5"/>
+          <p:cNvPicPr>
+            <a:picLocks noChangeAspect="1"/>
+          </p:cNvPicPr>
+          <p:nvPr/>
+        </p:nvPicPr>
+        <p:blipFill>
+          <a:blip r:embed="rId2"/>
+          <a:stretch>
+            <a:fillRect/>
+          </a:stretch>
+        </p:blipFill>
+        <p:spPr>
+          <a:xfrm>
+            <a:off x="0" y="0"/>
+            <a:ext cx="12436475" cy="2915699"/>
+          </a:xfrm>
+          <a:prstGeom prst="rect">
+            <a:avLst/>
+          </a:prstGeom>
+        </p:spPr>
+      </p:pic>
+      <p:sp>
+        <p:nvSpPr>
+          <p:cNvPr id="9" name="TextBox 8"/>
+          <p:cNvSpPr txBox="1"/>
+          <p:nvPr/>
+        </p:nvSpPr>
+        <p:spPr>
+          <a:xfrm>
+            <a:off x="794079" y="1045279"/>
+            <a:ext cx="3815509" cy="1373851"/>
+          </a:xfrm>
+          <a:prstGeom prst="rect">
+            <a:avLst/>
+          </a:prstGeom>
+          <a:noFill/>
+        </p:spPr>
+        <p:txBody>
+          <a:bodyPr wrap="square" lIns="186521" tIns="149217" rIns="186521" bIns="149217" rtlCol="0">
+            <a:spAutoFit/>
+          </a:bodyPr>
+          <a:lstStyle/>
+          <a:p>
+            <a:pPr marL="0" marR="0" lvl="0" indent="0" algn="ctr" defTabSz="932597" rtl="0" eaLnBrk="1" fontAlgn="auto" latinLnBrk="0" hangingPunct="1">
+              <a:lnSpc>
+                <a:spcPts val="4080"/>
+              </a:lnSpc>
+              <a:spcBef>
+                <a:spcPts val="0"/>
+              </a:spcBef>
+              <a:spcAft>
+                <a:spcPts val="0"/>
+              </a:spcAft>
+              <a:buClrTx/>
+              <a:buSzTx/>
+              <a:buFontTx/>
+              <a:buNone/>
+              <a:tabLst/>
+              <a:defRPr/>
+            </a:pPr>
+            <a:r>
+              <a:rPr kumimoji="0" lang="en-US" sz="3672" b="0" i="0" u="none" strike="noStrike" kern="1200" cap="none" spc="0" normalizeH="0" baseline="0" noProof="0" dirty="0">
+                <a:ln>
+                  <a:noFill/>
+                </a:ln>
+                <a:solidFill>
+                  <a:srgbClr val="0070C0"/>
+                </a:solidFill>
+                <a:effectLst/>
+                <a:uLnTx/>
+                <a:uFillTx/>
+                <a:latin typeface="Segoe UI Light"/>
+                <a:ea typeface="+mn-ea"/>
+                <a:cs typeface="+mn-cs"/>
+              </a:rPr>
+              <a:t>Architect to Architect</a:t>
+            </a:r>
+          </a:p>
+        </p:txBody>
+      </p:sp>
+    </p:spTree>
+    <p:extLst>
+      <p:ext uri="{BB962C8B-B14F-4D97-AF65-F5344CB8AC3E}">
+        <p14:creationId xmlns:p14="http://schemas.microsoft.com/office/powerpoint/2010/main" val="4130670676"/>
+      </p:ext>
+    </p:extLst>
+  </p:cSld>
+  <p:clrMapOvr>
+    <a:masterClrMapping/>
+  </p:clrMapOvr>
+  <p:transition>
+    <p:fade/>
+  </p:transition>
+</p:sldLayout>
+</file>
+
+<file path=ppt/slideLayouts/slideLayout25.xml><?xml version="1.0" encoding="utf-8"?>
+<p:sldLayout xmlns:a="http://schemas.openxmlformats.org/drawingml/2006/main" xmlns:r="http://schemas.openxmlformats.org/officeDocument/2006/relationships" xmlns:p="http://schemas.openxmlformats.org/presentationml/2006/main" preserve="1">
+  <p:cSld name="Survey Ask">
+    <p:spTree>
+      <p:nvGrpSpPr>
+        <p:cNvPr id="1" name=""/>
+        <p:cNvGrpSpPr/>
+        <p:nvPr/>
+      </p:nvGrpSpPr>
+      <p:grpSpPr>
+        <a:xfrm>
+          <a:off x="0" y="0"/>
+          <a:ext cx="0" cy="0"/>
+          <a:chOff x="0" y="0"/>
+          <a:chExt cx="0" cy="0"/>
+        </a:xfrm>
+      </p:grpSpPr>
+      <p:sp>
+        <p:nvSpPr>
+          <p:cNvPr id="3" name="TextBox 2"/>
+          <p:cNvSpPr txBox="1"/>
+          <p:nvPr/>
+        </p:nvSpPr>
+        <p:spPr>
+          <a:xfrm>
+            <a:off x="274320" y="1571888"/>
+            <a:ext cx="11773301" cy="2763659"/>
+          </a:xfrm>
+          <a:prstGeom prst="rect">
+            <a:avLst/>
+          </a:prstGeom>
+          <a:noFill/>
+        </p:spPr>
+        <p:txBody>
+          <a:bodyPr wrap="square" lIns="186521" tIns="149217" rIns="186521" bIns="149217" rtlCol="0">
+            <a:spAutoFit/>
+          </a:bodyPr>
+          <a:lstStyle/>
+          <a:p>
+            <a:pPr algn="ctr">
+              <a:lnSpc>
+                <a:spcPct val="90000"/>
+              </a:lnSpc>
+              <a:spcAft>
+                <a:spcPts val="612"/>
+              </a:spcAft>
+            </a:pPr>
+            <a:r>
+              <a:rPr lang="en-US" sz="4080" dirty="0">
+                <a:gradFill>
+                  <a:gsLst>
+                    <a:gs pos="2917">
+                      <a:schemeClr val="tx1"/>
+                    </a:gs>
+                    <a:gs pos="30000">
+                      <a:schemeClr val="tx1"/>
+                    </a:gs>
+                  </a:gsLst>
+                  <a:lin ang="5400000" scaled="0"/>
+                </a:gradFill>
+                <a:latin typeface="+mj-lt"/>
+              </a:rPr>
+              <a:t>Your</a:t>
+            </a:r>
+            <a:r>
+              <a:rPr lang="en-US" sz="4080" baseline="0" dirty="0">
+                <a:gradFill>
+                  <a:gsLst>
+                    <a:gs pos="2917">
+                      <a:schemeClr val="tx1"/>
+                    </a:gs>
+                    <a:gs pos="30000">
+                      <a:schemeClr val="tx1"/>
+                    </a:gs>
+                  </a:gsLst>
+                  <a:lin ang="5400000" scaled="0"/>
+                </a:gradFill>
+                <a:latin typeface="+mj-lt"/>
+              </a:rPr>
+              <a:t> </a:t>
+            </a:r>
+            <a:r>
+              <a:rPr lang="en-US" sz="4080" b="0" i="0" baseline="0" dirty="0">
+                <a:gradFill>
+                  <a:gsLst>
+                    <a:gs pos="2917">
+                      <a:schemeClr val="tx1"/>
+                    </a:gs>
+                    <a:gs pos="30000">
+                      <a:schemeClr val="tx1"/>
+                    </a:gs>
+                  </a:gsLst>
+                  <a:lin ang="5400000" scaled="0"/>
+                </a:gradFill>
+                <a:latin typeface="+mj-lt"/>
+              </a:rPr>
+              <a:t>anonymous</a:t>
+            </a:r>
+            <a:r>
+              <a:rPr lang="en-US" sz="4080" baseline="0" dirty="0">
+                <a:gradFill>
+                  <a:gsLst>
+                    <a:gs pos="2917">
+                      <a:schemeClr val="tx1"/>
+                    </a:gs>
+                    <a:gs pos="30000">
+                      <a:schemeClr val="tx1"/>
+                    </a:gs>
+                  </a:gsLst>
+                  <a:lin ang="5400000" scaled="0"/>
+                </a:gradFill>
+                <a:latin typeface="+mj-lt"/>
+              </a:rPr>
+              <a:t> feedback is greatly appreciated.</a:t>
+            </a:r>
+          </a:p>
+          <a:p>
+            <a:pPr algn="ctr">
+              <a:lnSpc>
+                <a:spcPct val="90000"/>
+              </a:lnSpc>
+              <a:spcAft>
+                <a:spcPts val="612"/>
+              </a:spcAft>
+            </a:pPr>
+            <a:endParaRPr lang="en-US" sz="4080" baseline="0" dirty="0">
+              <a:gradFill>
+                <a:gsLst>
+                  <a:gs pos="2917">
+                    <a:schemeClr val="tx1"/>
+                  </a:gs>
+                  <a:gs pos="30000">
+                    <a:schemeClr val="tx1"/>
+                  </a:gs>
+                </a:gsLst>
+                <a:lin ang="5400000" scaled="0"/>
+              </a:gradFill>
+              <a:latin typeface="+mj-lt"/>
+            </a:endParaRPr>
+          </a:p>
+          <a:p>
+            <a:pPr algn="ctr">
+              <a:lnSpc>
+                <a:spcPct val="90000"/>
+              </a:lnSpc>
+              <a:spcAft>
+                <a:spcPts val="612"/>
+              </a:spcAft>
+            </a:pPr>
+            <a:r>
+              <a:rPr lang="en-US" sz="4080" baseline="0" dirty="0">
+                <a:gradFill>
+                  <a:gsLst>
+                    <a:gs pos="2917">
+                      <a:schemeClr val="tx1"/>
+                    </a:gs>
+                    <a:gs pos="30000">
+                      <a:schemeClr val="tx1"/>
+                    </a:gs>
+                  </a:gsLst>
+                  <a:lin ang="5400000" scaled="0"/>
+                </a:gradFill>
+                <a:latin typeface="+mj-lt"/>
+              </a:rPr>
+              <a:t>Please rate this session at the end of the day at the URL below.</a:t>
+            </a:r>
+            <a:endParaRPr lang="en-US" sz="4080" dirty="0">
+              <a:gradFill>
+                <a:gsLst>
+                  <a:gs pos="2917">
+                    <a:schemeClr val="tx1"/>
+                  </a:gs>
+                  <a:gs pos="30000">
+                    <a:schemeClr val="tx1"/>
+                  </a:gs>
+                </a:gsLst>
+                <a:lin ang="5400000" scaled="0"/>
+              </a:gradFill>
+              <a:latin typeface="+mj-lt"/>
+            </a:endParaRPr>
+          </a:p>
+        </p:txBody>
+      </p:sp>
+      <p:sp>
+        <p:nvSpPr>
+          <p:cNvPr id="4" name="Text Placeholder 3"/>
+          <p:cNvSpPr>
+            <a:spLocks noGrp="1"/>
+          </p:cNvSpPr>
+          <p:nvPr>
+            <p:ph type="body" sz="quarter" idx="10" hasCustomPrompt="1"/>
+          </p:nvPr>
+        </p:nvSpPr>
+        <p:spPr>
+          <a:xfrm>
+            <a:off x="274321" y="4977690"/>
+            <a:ext cx="11773300" cy="1120636"/>
+          </a:xfrm>
+        </p:spPr>
+        <p:txBody>
+          <a:bodyPr/>
+          <a:lstStyle>
+            <a:lvl1pPr marL="0" indent="0" algn="ctr">
+              <a:buNone/>
+              <a:defRPr sz="6731" i="0">
+                <a:latin typeface="+mn-lt"/>
+              </a:defRPr>
+            </a:lvl1pPr>
+            <a:lvl2pPr marL="342834" indent="0">
+              <a:buNone/>
+              <a:defRPr/>
+            </a:lvl2pPr>
+            <a:lvl3pPr marL="571390" indent="0">
+              <a:buNone/>
+              <a:defRPr/>
+            </a:lvl3pPr>
+            <a:lvl4pPr marL="799946" indent="0">
+              <a:buNone/>
+              <a:defRPr/>
+            </a:lvl4pPr>
+            <a:lvl5pPr marL="1028503" indent="0">
+              <a:buNone/>
+              <a:defRPr/>
+            </a:lvl5pPr>
+          </a:lstStyle>
+          <a:p>
+            <a:pPr lvl="0"/>
+            <a:r>
+              <a:rPr lang="en-US" dirty="0"/>
+              <a:t>Click to edit survey URL</a:t>
+            </a:r>
+          </a:p>
+        </p:txBody>
+      </p:sp>
+      <p:sp>
+        <p:nvSpPr>
+          <p:cNvPr id="5" name="TextBox 4"/>
+          <p:cNvSpPr txBox="1"/>
+          <p:nvPr/>
+        </p:nvSpPr>
+        <p:spPr>
+          <a:xfrm>
+            <a:off x="274319" y="212685"/>
+            <a:ext cx="11773301" cy="1252148"/>
+          </a:xfrm>
+          <a:prstGeom prst="rect">
+            <a:avLst/>
+          </a:prstGeom>
+          <a:noFill/>
+        </p:spPr>
+        <p:txBody>
+          <a:bodyPr wrap="square" lIns="186521" tIns="149217" rIns="186521" bIns="149217" rtlCol="0">
+            <a:spAutoFit/>
+          </a:bodyPr>
+          <a:lstStyle/>
+          <a:p>
+            <a:pPr algn="ctr">
+              <a:lnSpc>
+                <a:spcPct val="90000"/>
+              </a:lnSpc>
+              <a:spcAft>
+                <a:spcPts val="612"/>
+              </a:spcAft>
+            </a:pPr>
+            <a:r>
+              <a:rPr lang="en-US" sz="6731" dirty="0">
+                <a:gradFill>
+                  <a:gsLst>
+                    <a:gs pos="2917">
+                      <a:schemeClr val="tx1"/>
+                    </a:gs>
+                    <a:gs pos="30000">
+                      <a:schemeClr val="tx1"/>
+                    </a:gs>
+                  </a:gsLst>
+                  <a:lin ang="5400000" scaled="0"/>
+                </a:gradFill>
+                <a:latin typeface="+mj-lt"/>
+              </a:rPr>
+              <a:t>Thank You!</a:t>
+            </a:r>
+          </a:p>
+        </p:txBody>
+      </p:sp>
+    </p:spTree>
+    <p:extLst>
+      <p:ext uri="{BB962C8B-B14F-4D97-AF65-F5344CB8AC3E}">
+        <p14:creationId xmlns:p14="http://schemas.microsoft.com/office/powerpoint/2010/main" val="1168943051"/>
+      </p:ext>
+    </p:extLst>
+  </p:cSld>
+  <p:clrMapOvr>
+    <a:masterClrMapping/>
+  </p:clrMapOvr>
+  <p:transition>
+    <p:fade/>
+  </p:transition>
+</p:sldLayout>
+</file>
+
+<file path=ppt/slideLayouts/slideLayout26.xml><?xml version="1.0" encoding="utf-8"?>
+<p:sldLayout xmlns:a="http://schemas.openxmlformats.org/drawingml/2006/main" xmlns:r="http://schemas.openxmlformats.org/officeDocument/2006/relationships" xmlns:p="http://schemas.openxmlformats.org/presentationml/2006/main">
+  <p:cSld name="Ending Slide">
+    <p:bg>
+      <p:bgPr>
+        <a:solidFill>
+          <a:srgbClr val="1574B8"/>
+        </a:solidFill>
+        <a:effectLst/>
+      </p:bgPr>
+    </p:bg>
+    <p:spTree>
+      <p:nvGrpSpPr>
+        <p:cNvPr id="1" name=""/>
+        <p:cNvGrpSpPr/>
+        <p:nvPr/>
+      </p:nvGrpSpPr>
+      <p:grpSpPr>
+        <a:xfrm>
+          <a:off x="0" y="0"/>
+          <a:ext cx="0" cy="0"/>
+          <a:chOff x="0" y="0"/>
+          <a:chExt cx="0" cy="0"/>
+        </a:xfrm>
+      </p:grpSpPr>
+      <p:pic>
+        <p:nvPicPr>
+          <p:cNvPr id="6" name="Picture 5"/>
+          <p:cNvPicPr>
+            <a:picLocks noChangeAspect="1"/>
+          </p:cNvPicPr>
+          <p:nvPr/>
+        </p:nvPicPr>
+        <p:blipFill>
+          <a:blip r:embed="rId2" cstate="email">
+            <a:extLst>
+              <a:ext uri="{28A0092B-C50C-407E-A947-70E740481C1C}">
+                <a14:useLocalDpi xmlns:a14="http://schemas.microsoft.com/office/drawing/2010/main"/>
+              </a:ext>
+            </a:extLst>
+          </a:blip>
+          <a:stretch>
+            <a:fillRect/>
+          </a:stretch>
+        </p:blipFill>
+        <p:spPr bwMode="invGray">
+          <a:xfrm>
+            <a:off x="274638" y="4054538"/>
+            <a:ext cx="3646979" cy="781125"/>
+          </a:xfrm>
+          <a:prstGeom prst="rect">
+            <a:avLst/>
+          </a:prstGeom>
+        </p:spPr>
+      </p:pic>
+      <p:sp>
+        <p:nvSpPr>
+          <p:cNvPr id="4" name="Text Box 3"/>
+          <p:cNvSpPr txBox="1">
+            <a:spLocks noChangeArrowheads="1"/>
+          </p:cNvSpPr>
+          <p:nvPr/>
+        </p:nvSpPr>
+        <p:spPr bwMode="blackWhite">
+          <a:xfrm>
+            <a:off x="274638" y="5733697"/>
+            <a:ext cx="11850925" cy="892740"/>
+          </a:xfrm>
+          <a:prstGeom prst="rect">
+            <a:avLst/>
+          </a:prstGeom>
+          <a:noFill/>
+          <a:ln w="12700">
+            <a:noFill/>
+            <a:miter lim="800000"/>
+            <a:headEnd type="none" w="sm" len="sm"/>
+            <a:tailEnd type="none" w="sm" len="sm"/>
+          </a:ln>
+          <a:effectLst/>
+        </p:spPr>
+        <p:txBody>
+          <a:bodyPr vert="horz" wrap="square" lIns="91391" tIns="45697" rIns="91391" bIns="45697" numCol="1" anchor="t" anchorCtr="0" compatLnSpc="1">
+            <a:prstTxWarp prst="textNoShape">
+              <a:avLst/>
+            </a:prstTxWarp>
+            <a:spAutoFit/>
+          </a:bodyPr>
+          <a:lstStyle/>
+          <a:p>
+            <a:pPr defTabSz="913716" eaLnBrk="0" hangingPunct="0"/>
+            <a:r>
+              <a:rPr lang="en-US" sz="1020" dirty="0">
+                <a:gradFill>
+                  <a:gsLst>
+                    <a:gs pos="11940">
+                      <a:srgbClr val="FFFFFF"/>
+                    </a:gs>
+                    <a:gs pos="24000">
+                      <a:srgbClr val="FFFFFF"/>
+                    </a:gs>
+                  </a:gsLst>
+                  <a:lin ang="5400000" scaled="0"/>
+                </a:gradFill>
+                <a:cs typeface="Arial" charset="0"/>
+              </a:rPr>
+              <a:t>© 2015-2016 Microsoft Corporation. All rights reserved. Microsoft, Windows, Windows Vista and other product names are or may be registered trademarks and/or trademarks in the U.S. and/or other countries.</a:t>
+            </a:r>
+          </a:p>
+          <a:p>
+            <a:pPr defTabSz="913716" eaLnBrk="0" hangingPunct="0"/>
+            <a:r>
+              <a:rPr lang="en-US" sz="1020" dirty="0">
+                <a:gradFill>
+                  <a:gsLst>
+                    <a:gs pos="11940">
+                      <a:srgbClr val="FFFFFF"/>
+                    </a:gs>
+                    <a:gs pos="24000">
+                      <a:srgbClr val="FFFFFF"/>
+                    </a:gs>
+                  </a:gsLst>
+                  <a:lin ang="5400000" scaled="0"/>
+                </a:gradFill>
+                <a:cs typeface="Arial" charset="0"/>
+              </a:rPr>
+              <a:t>The information herein is for informational purposes only and represents the current view of Microsoft Corporation as of the date of this presentation.  Because Microsoft must respond to changing market conditions, it should not be interpreted to be a commitment on the part of Microsoft, and Microsoft cannot guarantee the accuracy of any information provided after the date of this presentation.  MICROSOFT MAKES NO WARRANTIES, EXPRESS, IMPLIED OR STATUTORY, AS TO THE INFORMATION IN THIS PRESENTATION.</a:t>
+            </a:r>
+          </a:p>
+        </p:txBody>
+      </p:sp>
+    </p:spTree>
+    <p:extLst>
+      <p:ext uri="{BB962C8B-B14F-4D97-AF65-F5344CB8AC3E}">
+        <p14:creationId xmlns:p14="http://schemas.microsoft.com/office/powerpoint/2010/main" val="2740018193"/>
+      </p:ext>
+    </p:extLst>
+  </p:cSld>
+  <p:clrMapOvr>
+    <a:masterClrMapping/>
+  </p:clrMapOvr>
+  <p:transition>
+    <p:fade/>
+  </p:transition>
+</p:sldLayout>
+</file>
+
+<file path=ppt/slideLayouts/slideLayout27.xml><?xml version="1.0" encoding="utf-8"?>
+<p:sldLayout xmlns:a="http://schemas.openxmlformats.org/drawingml/2006/main" xmlns:r="http://schemas.openxmlformats.org/officeDocument/2006/relationships" xmlns:p="http://schemas.openxmlformats.org/presentationml/2006/main" userDrawn="1">
+  <p:cSld name="Title &amp; 2-color Non-bulleted text">
+    <p:spTree>
+      <p:nvGrpSpPr>
+        <p:cNvPr id="1" name=""/>
+        <p:cNvGrpSpPr/>
+        <p:nvPr/>
+      </p:nvGrpSpPr>
+      <p:grpSpPr>
+        <a:xfrm>
+          <a:off x="0" y="0"/>
+          <a:ext cx="0" cy="0"/>
+          <a:chOff x="0" y="0"/>
+          <a:chExt cx="0" cy="0"/>
+        </a:xfrm>
+      </p:grpSpPr>
+      <p:sp>
+        <p:nvSpPr>
+          <p:cNvPr id="2" name="Title 1"/>
+          <p:cNvSpPr>
+            <a:spLocks noGrp="1"/>
+          </p:cNvSpPr>
+          <p:nvPr>
+            <p:ph type="title"/>
+          </p:nvPr>
+        </p:nvSpPr>
+        <p:spPr/>
+        <p:txBody>
+          <a:bodyPr/>
+          <a:lstStyle/>
+          <a:p>
+            <a:r>
+              <a:rPr lang="en-US"/>
+              <a:t>Click to edit Master title style</a:t>
+            </a:r>
+            <a:endParaRPr lang="en-US" dirty="0"/>
+          </a:p>
+        </p:txBody>
+      </p:sp>
+      <p:sp>
+        <p:nvSpPr>
+          <p:cNvPr id="6" name="Text Placeholder 5"/>
+          <p:cNvSpPr>
+            <a:spLocks noGrp="1"/>
+          </p:cNvSpPr>
+          <p:nvPr>
+            <p:ph type="body" sz="quarter" idx="10"/>
+          </p:nvPr>
+        </p:nvSpPr>
+        <p:spPr>
+          <a:xfrm>
+            <a:off x="274639" y="1212851"/>
+            <a:ext cx="11887200" cy="2025170"/>
+          </a:xfrm>
+        </p:spPr>
+        <p:txBody>
+          <a:bodyPr/>
+          <a:lstStyle>
+            <a:lvl1pPr marL="0" indent="0">
+              <a:buNone/>
+              <a:defRPr>
+                <a:gradFill>
+                  <a:gsLst>
+                    <a:gs pos="20354">
+                      <a:schemeClr val="tx2"/>
+                    </a:gs>
+                    <a:gs pos="40000">
+                      <a:schemeClr val="tx2"/>
+                    </a:gs>
+                  </a:gsLst>
+                  <a:lin ang="5400000" scaled="0"/>
+                </a:gradFill>
+              </a:defRPr>
+            </a:lvl1pPr>
+            <a:lvl2pPr marL="0" indent="0">
+              <a:buFontTx/>
+              <a:buNone/>
+              <a:defRPr sz="2000"/>
+            </a:lvl2pPr>
+            <a:lvl3pPr marL="228538" indent="0">
+              <a:buNone/>
+              <a:defRPr/>
+            </a:lvl3pPr>
+            <a:lvl4pPr marL="457075" indent="0">
+              <a:buNone/>
+              <a:defRPr/>
+            </a:lvl4pPr>
+            <a:lvl5pPr marL="685613" indent="0">
+              <a:buNone/>
+              <a:defRPr/>
+            </a:lvl5pPr>
+          </a:lstStyle>
+          <a:p>
+            <a:pPr lvl="0"/>
+            <a:r>
+              <a:rPr lang="en-US" dirty="0"/>
+              <a:t>Click to edit Master text styles</a:t>
+            </a:r>
+          </a:p>
+          <a:p>
+            <a:pPr lvl="1"/>
+            <a:r>
+              <a:rPr lang="en-US" dirty="0"/>
+              <a:t>Second level</a:t>
+            </a:r>
+          </a:p>
+          <a:p>
+            <a:pPr lvl="2"/>
+            <a:r>
+              <a:rPr lang="en-US" dirty="0"/>
+              <a:t>Third level</a:t>
+            </a:r>
+          </a:p>
+          <a:p>
+            <a:pPr lvl="3"/>
+            <a:r>
+              <a:rPr lang="en-US" dirty="0"/>
+              <a:t>Fourth level</a:t>
+            </a:r>
+          </a:p>
+          <a:p>
+            <a:pPr lvl="4"/>
+            <a:r>
+              <a:rPr lang="en-US" dirty="0"/>
+              <a:t>Fifth level</a:t>
+            </a:r>
+          </a:p>
+        </p:txBody>
+      </p:sp>
+    </p:spTree>
+    <p:extLst>
+      <p:ext uri="{BB962C8B-B14F-4D97-AF65-F5344CB8AC3E}">
+        <p14:creationId xmlns:p14="http://schemas.microsoft.com/office/powerpoint/2010/main" val="3471101466"/>
+      </p:ext>
+    </p:extLst>
+  </p:cSld>
+  <p:clrMapOvr>
+    <a:masterClrMapping/>
+  </p:clrMapOvr>
+  <p:transition>
+    <p:fade/>
+  </p:transition>
+</p:sldLayout>
+</file>
+
+<file path=ppt/slideLayouts/slideLayout28.xml><?xml version="1.0" encoding="utf-8"?>
+<p:sldLayout xmlns:a="http://schemas.openxmlformats.org/drawingml/2006/main" xmlns:r="http://schemas.openxmlformats.org/officeDocument/2006/relationships" xmlns:p="http://schemas.openxmlformats.org/presentationml/2006/main">
+  <p:cSld name="Title and Content - Graphic Top">
+    <p:spTree>
+      <p:nvGrpSpPr>
+        <p:cNvPr id="1" name=""/>
+        <p:cNvGrpSpPr/>
+        <p:nvPr/>
+      </p:nvGrpSpPr>
+      <p:grpSpPr>
+        <a:xfrm>
+          <a:off x="0" y="0"/>
+          <a:ext cx="0" cy="0"/>
+          <a:chOff x="0" y="0"/>
+          <a:chExt cx="0" cy="0"/>
+        </a:xfrm>
+      </p:grpSpPr>
+      <p:sp>
+        <p:nvSpPr>
+          <p:cNvPr id="4" name="Title 1"/>
+          <p:cNvSpPr>
+            <a:spLocks noGrp="1"/>
+          </p:cNvSpPr>
+          <p:nvPr>
+            <p:ph type="title"/>
+          </p:nvPr>
+        </p:nvSpPr>
+        <p:spPr>
+          <a:xfrm>
+            <a:off x="274321" y="885907"/>
+            <a:ext cx="11773301" cy="917575"/>
+          </a:xfrm>
+        </p:spPr>
+        <p:txBody>
+          <a:bodyPr/>
+          <a:lstStyle/>
+          <a:p>
+            <a:r>
+              <a:rPr lang="en-US"/>
+              <a:t>Click to edit Master title style</a:t>
+            </a:r>
+            <a:endParaRPr lang="en-US" dirty="0"/>
+          </a:p>
+        </p:txBody>
+      </p:sp>
+      <p:sp>
+        <p:nvSpPr>
+          <p:cNvPr id="5" name="Content Placeholder 6"/>
+          <p:cNvSpPr>
+            <a:spLocks noGrp="1"/>
+          </p:cNvSpPr>
+          <p:nvPr>
+            <p:ph sz="quarter" idx="10"/>
+          </p:nvPr>
+        </p:nvSpPr>
+        <p:spPr>
+          <a:xfrm>
+            <a:off x="273668" y="2004449"/>
+            <a:ext cx="11773954" cy="1923988"/>
+          </a:xfrm>
+        </p:spPr>
+        <p:txBody>
+          <a:bodyPr/>
+          <a:lstStyle/>
+          <a:p>
+            <a:pPr lvl="0"/>
+            <a:r>
+              <a:rPr lang="en-US"/>
+              <a:t>Click to edit Master text styles</a:t>
+            </a:r>
+          </a:p>
+          <a:p>
+            <a:pPr lvl="1"/>
+            <a:r>
+              <a:rPr lang="en-US"/>
+              <a:t>Second level</a:t>
+            </a:r>
+          </a:p>
+          <a:p>
+            <a:pPr lvl="2"/>
+            <a:r>
+              <a:rPr lang="en-US"/>
+              <a:t>Third level</a:t>
+            </a:r>
+          </a:p>
+        </p:txBody>
+      </p:sp>
+    </p:spTree>
+    <p:extLst>
+      <p:ext uri="{BB962C8B-B14F-4D97-AF65-F5344CB8AC3E}">
+        <p14:creationId xmlns:p14="http://schemas.microsoft.com/office/powerpoint/2010/main" val="64628356"/>
+      </p:ext>
+    </p:extLst>
+  </p:cSld>
+  <p:clrMapOvr>
+    <a:masterClrMapping/>
+  </p:clrMapOvr>
+  <p:transition>
+    <p:fade/>
+  </p:transition>
+</p:sldLayout>
+</file>
+
+<file path=ppt/slideLayouts/slideLayout29.xml><?xml version="1.0" encoding="utf-8"?>
+<p:sldLayout xmlns:a="http://schemas.openxmlformats.org/drawingml/2006/main" xmlns:r="http://schemas.openxmlformats.org/officeDocument/2006/relationships" xmlns:p="http://schemas.openxmlformats.org/presentationml/2006/main">
+  <p:cSld name="Title and Content - Graphic Bottom">
+    <p:bg>
+      <p:bgPr>
+        <a:solidFill>
+          <a:srgbClr val="1574B8"/>
+        </a:solidFill>
+        <a:effectLst/>
+      </p:bgPr>
+    </p:bg>
+    <p:spTree>
+      <p:nvGrpSpPr>
+        <p:cNvPr id="1" name=""/>
+        <p:cNvGrpSpPr/>
+        <p:nvPr/>
+      </p:nvGrpSpPr>
+      <p:grpSpPr>
+        <a:xfrm>
+          <a:off x="0" y="0"/>
+          <a:ext cx="0" cy="0"/>
+          <a:chOff x="0" y="0"/>
+          <a:chExt cx="0" cy="0"/>
+        </a:xfrm>
+      </p:grpSpPr>
+      <p:sp>
+        <p:nvSpPr>
+          <p:cNvPr id="2" name="Title 1"/>
+          <p:cNvSpPr>
+            <a:spLocks noGrp="1"/>
+          </p:cNvSpPr>
+          <p:nvPr>
+            <p:ph type="title"/>
+          </p:nvPr>
+        </p:nvSpPr>
+        <p:spPr/>
+        <p:txBody>
+          <a:bodyPr/>
+          <a:lstStyle/>
+          <a:p>
+            <a:r>
+              <a:rPr lang="en-US"/>
+              <a:t>Click to edit Master title style</a:t>
+            </a:r>
+          </a:p>
+        </p:txBody>
+      </p:sp>
+      <p:sp>
+        <p:nvSpPr>
+          <p:cNvPr id="6" name="Content Placeholder 6"/>
+          <p:cNvSpPr>
+            <a:spLocks noGrp="1"/>
+          </p:cNvSpPr>
+          <p:nvPr>
+            <p:ph sz="quarter" idx="10"/>
+          </p:nvPr>
+        </p:nvSpPr>
+        <p:spPr>
+          <a:xfrm>
+            <a:off x="273668" y="1426235"/>
+            <a:ext cx="11773954" cy="1923988"/>
+          </a:xfrm>
+        </p:spPr>
+        <p:txBody>
+          <a:bodyPr/>
+          <a:lstStyle/>
+          <a:p>
+            <a:pPr lvl="0"/>
+            <a:r>
+              <a:rPr lang="en-US"/>
+              <a:t>Click to edit Master text styles</a:t>
+            </a:r>
+          </a:p>
+          <a:p>
+            <a:pPr lvl="1"/>
+            <a:r>
+              <a:rPr lang="en-US"/>
+              <a:t>Second level</a:t>
+            </a:r>
+          </a:p>
+          <a:p>
+            <a:pPr lvl="2"/>
+            <a:r>
+              <a:rPr lang="en-US"/>
+              <a:t>Third level</a:t>
+            </a:r>
+          </a:p>
+        </p:txBody>
+      </p:sp>
+    </p:spTree>
+    <p:extLst>
+      <p:ext uri="{BB962C8B-B14F-4D97-AF65-F5344CB8AC3E}">
+        <p14:creationId xmlns:p14="http://schemas.microsoft.com/office/powerpoint/2010/main" val="2731767688"/>
+      </p:ext>
+    </p:extLst>
+  </p:cSld>
+  <p:clrMapOvr>
+    <a:masterClrMapping/>
+  </p:clrMapOvr>
+  <p:transition>
+    <p:fade/>
+  </p:transition>
+</p:sldLayout>
+</file>
+
 <file path=ppt/slideLayouts/slideLayout3.xml><?xml version="1.0" encoding="utf-8"?>
 <p:sldLayout xmlns:a="http://schemas.openxmlformats.org/drawingml/2006/main" xmlns:r="http://schemas.openxmlformats.org/officeDocument/2006/relationships" xmlns:p="http://schemas.openxmlformats.org/presentationml/2006/main" preserve="1">
   <p:cSld name="Blank">
@@ -10356,6 +12627,69 @@
     <p:extLst>
       <p:ext uri="{BB962C8B-B14F-4D97-AF65-F5344CB8AC3E}">
         <p14:creationId xmlns:p14="http://schemas.microsoft.com/office/powerpoint/2010/main" val="2127582462"/>
+      </p:ext>
+    </p:extLst>
+  </p:cSld>
+  <p:clrMapOvr>
+    <a:masterClrMapping/>
+  </p:clrMapOvr>
+  <p:transition>
+    <p:fade/>
+  </p:transition>
+</p:sldLayout>
+</file>
+
+<file path=ppt/slideLayouts/slideLayout30.xml><?xml version="1.0" encoding="utf-8"?>
+<p:sldLayout xmlns:a="http://schemas.openxmlformats.org/drawingml/2006/main" xmlns:r="http://schemas.openxmlformats.org/officeDocument/2006/relationships" xmlns:p="http://schemas.openxmlformats.org/presentationml/2006/main">
+  <p:cSld name="Title Only - Graphic Right">
+    <p:bg>
+      <p:bgPr>
+        <a:solidFill>
+          <a:srgbClr val="1574B8"/>
+        </a:solidFill>
+        <a:effectLst/>
+      </p:bgPr>
+    </p:bg>
+    <p:spTree>
+      <p:nvGrpSpPr>
+        <p:cNvPr id="1" name=""/>
+        <p:cNvGrpSpPr/>
+        <p:nvPr/>
+      </p:nvGrpSpPr>
+      <p:grpSpPr>
+        <a:xfrm>
+          <a:off x="0" y="0"/>
+          <a:ext cx="0" cy="0"/>
+          <a:chOff x="0" y="0"/>
+          <a:chExt cx="0" cy="0"/>
+        </a:xfrm>
+      </p:grpSpPr>
+      <p:sp>
+        <p:nvSpPr>
+          <p:cNvPr id="2" name="Title 1"/>
+          <p:cNvSpPr>
+            <a:spLocks noGrp="1"/>
+          </p:cNvSpPr>
+          <p:nvPr>
+            <p:ph type="title"/>
+          </p:nvPr>
+        </p:nvSpPr>
+        <p:spPr/>
+        <p:txBody>
+          <a:bodyPr/>
+          <a:lstStyle/>
+          <a:p>
+            <a:r>
+              <a:rPr lang="en-US"/>
+              <a:t>Click to edit Master title style</a:t>
+            </a:r>
+          </a:p>
+        </p:txBody>
+      </p:sp>
+    </p:spTree>
+    <p:extLst>
+      <p:ext uri="{BB962C8B-B14F-4D97-AF65-F5344CB8AC3E}">
+        <p14:creationId xmlns:p14="http://schemas.microsoft.com/office/powerpoint/2010/main" val="1772995617"/>
       </p:ext>
     </p:extLst>
   </p:cSld>
@@ -11487,6 +13821,653 @@
     <p:sldLayoutId id="2147484489" r:id="rId13"/>
     <p:sldLayoutId id="2147484490" r:id="rId14"/>
     <p:sldLayoutId id="2147484491" r:id="rId15"/>
+  </p:sldLayoutIdLst>
+  <p:transition>
+    <p:fade/>
+  </p:transition>
+  <p:txStyles>
+    <p:titleStyle>
+      <a:lvl1pPr algn="l" defTabSz="932563" rtl="0" eaLnBrk="1" latinLnBrk="0" hangingPunct="1">
+        <a:lnSpc>
+          <a:spcPct val="90000"/>
+        </a:lnSpc>
+        <a:spcBef>
+          <a:spcPct val="0"/>
+        </a:spcBef>
+        <a:buNone/>
+        <a:defRPr lang="en-US" sz="5399" b="0" kern="1200" cap="none" spc="-102" baseline="0" dirty="0" smtClean="0">
+          <a:ln w="3175">
+            <a:noFill/>
+          </a:ln>
+          <a:gradFill>
+            <a:gsLst>
+              <a:gs pos="7080">
+                <a:schemeClr val="tx1"/>
+              </a:gs>
+              <a:gs pos="26000">
+                <a:schemeClr val="tx1"/>
+              </a:gs>
+            </a:gsLst>
+            <a:lin ang="5400000" scaled="0"/>
+          </a:gradFill>
+          <a:effectLst/>
+          <a:latin typeface="+mj-lt"/>
+          <a:ea typeface="+mn-ea"/>
+          <a:cs typeface="Segoe UI" pitchFamily="34" charset="0"/>
+        </a:defRPr>
+      </a:lvl1pPr>
+    </p:titleStyle>
+    <p:bodyStyle>
+      <a:lvl1pPr marL="342834" marR="0" indent="-342834" algn="l" defTabSz="932563" rtl="0" eaLnBrk="1" fontAlgn="auto" latinLnBrk="0" hangingPunct="1">
+        <a:lnSpc>
+          <a:spcPct val="90000"/>
+        </a:lnSpc>
+        <a:spcBef>
+          <a:spcPct val="20000"/>
+        </a:spcBef>
+        <a:spcAft>
+          <a:spcPts val="0"/>
+        </a:spcAft>
+        <a:buClrTx/>
+        <a:buSzPct val="90000"/>
+        <a:buFont typeface="Arial" pitchFamily="34" charset="0"/>
+        <a:buChar char="•"/>
+        <a:tabLst/>
+        <a:defRPr sz="4080" kern="1200" spc="0" baseline="0">
+          <a:gradFill>
+            <a:gsLst>
+              <a:gs pos="1250">
+                <a:schemeClr val="tx1"/>
+              </a:gs>
+              <a:gs pos="100000">
+                <a:schemeClr val="tx1"/>
+              </a:gs>
+            </a:gsLst>
+            <a:lin ang="5400000" scaled="0"/>
+          </a:gradFill>
+          <a:latin typeface="+mj-lt"/>
+          <a:ea typeface="+mn-ea"/>
+          <a:cs typeface="Segoe UI" panose="020B0502040204020203" pitchFamily="34" charset="0"/>
+        </a:defRPr>
+      </a:lvl1pPr>
+      <a:lvl2pPr marL="584088" marR="0" indent="-241253" algn="l" defTabSz="932563" rtl="0" eaLnBrk="1" fontAlgn="auto" latinLnBrk="0" hangingPunct="1">
+        <a:lnSpc>
+          <a:spcPct val="90000"/>
+        </a:lnSpc>
+        <a:spcBef>
+          <a:spcPct val="20000"/>
+        </a:spcBef>
+        <a:spcAft>
+          <a:spcPts val="0"/>
+        </a:spcAft>
+        <a:buClrTx/>
+        <a:buSzPct val="90000"/>
+        <a:buFont typeface="Arial" pitchFamily="34" charset="0"/>
+        <a:buChar char="•"/>
+        <a:tabLst/>
+        <a:defRPr sz="3672" kern="1200" spc="0" baseline="0">
+          <a:gradFill>
+            <a:gsLst>
+              <a:gs pos="1250">
+                <a:schemeClr val="tx1"/>
+              </a:gs>
+              <a:gs pos="100000">
+                <a:schemeClr val="tx1"/>
+              </a:gs>
+            </a:gsLst>
+            <a:lin ang="5400000" scaled="0"/>
+          </a:gradFill>
+          <a:latin typeface="+mj-lt"/>
+          <a:ea typeface="+mn-ea"/>
+          <a:cs typeface="Segoe UI" panose="020B0502040204020203" pitchFamily="34" charset="0"/>
+        </a:defRPr>
+      </a:lvl2pPr>
+      <a:lvl3pPr marL="799946" marR="0" indent="-228557" algn="l" defTabSz="932563" rtl="0" eaLnBrk="1" fontAlgn="auto" latinLnBrk="0" hangingPunct="1">
+        <a:lnSpc>
+          <a:spcPct val="90000"/>
+        </a:lnSpc>
+        <a:spcBef>
+          <a:spcPct val="20000"/>
+        </a:spcBef>
+        <a:spcAft>
+          <a:spcPts val="0"/>
+        </a:spcAft>
+        <a:buClrTx/>
+        <a:buSzPct val="90000"/>
+        <a:buFont typeface="Arial" pitchFamily="34" charset="0"/>
+        <a:buChar char="•"/>
+        <a:tabLst/>
+        <a:defRPr sz="3264" kern="1200" spc="0" baseline="0">
+          <a:gradFill>
+            <a:gsLst>
+              <a:gs pos="1250">
+                <a:schemeClr val="tx1"/>
+              </a:gs>
+              <a:gs pos="100000">
+                <a:schemeClr val="tx1"/>
+              </a:gs>
+            </a:gsLst>
+            <a:lin ang="5400000" scaled="0"/>
+          </a:gradFill>
+          <a:latin typeface="+mj-lt"/>
+          <a:ea typeface="+mn-ea"/>
+          <a:cs typeface="Segoe UI" panose="020B0502040204020203" pitchFamily="34" charset="0"/>
+        </a:defRPr>
+      </a:lvl3pPr>
+      <a:lvl4pPr marL="1028503" marR="0" indent="-228557" algn="l" defTabSz="932563" rtl="0" eaLnBrk="1" fontAlgn="auto" latinLnBrk="0" hangingPunct="1">
+        <a:lnSpc>
+          <a:spcPct val="90000"/>
+        </a:lnSpc>
+        <a:spcBef>
+          <a:spcPct val="20000"/>
+        </a:spcBef>
+        <a:spcAft>
+          <a:spcPts val="0"/>
+        </a:spcAft>
+        <a:buClrTx/>
+        <a:buSzPct val="90000"/>
+        <a:buFont typeface="Arial" pitchFamily="34" charset="0"/>
+        <a:buChar char="•"/>
+        <a:tabLst/>
+        <a:defRPr sz="2856" kern="1200" spc="0" baseline="0">
+          <a:gradFill>
+            <a:gsLst>
+              <a:gs pos="1250">
+                <a:schemeClr val="tx1"/>
+              </a:gs>
+              <a:gs pos="100000">
+                <a:schemeClr val="tx1"/>
+              </a:gs>
+            </a:gsLst>
+            <a:lin ang="5400000" scaled="0"/>
+          </a:gradFill>
+          <a:latin typeface="+mj-lt"/>
+          <a:ea typeface="+mn-ea"/>
+          <a:cs typeface="Segoe UI" panose="020B0502040204020203" pitchFamily="34" charset="0"/>
+        </a:defRPr>
+      </a:lvl4pPr>
+      <a:lvl5pPr marL="1257058" marR="0" indent="-228557" algn="l" defTabSz="932563" rtl="0" eaLnBrk="1" fontAlgn="auto" latinLnBrk="0" hangingPunct="1">
+        <a:lnSpc>
+          <a:spcPct val="90000"/>
+        </a:lnSpc>
+        <a:spcBef>
+          <a:spcPct val="20000"/>
+        </a:spcBef>
+        <a:spcAft>
+          <a:spcPts val="0"/>
+        </a:spcAft>
+        <a:buClrTx/>
+        <a:buSzPct val="90000"/>
+        <a:buFont typeface="Arial" pitchFamily="34" charset="0"/>
+        <a:buChar char="•"/>
+        <a:tabLst/>
+        <a:defRPr sz="2448" kern="1200" spc="0" baseline="0">
+          <a:gradFill>
+            <a:gsLst>
+              <a:gs pos="1250">
+                <a:schemeClr val="tx1"/>
+              </a:gs>
+              <a:gs pos="100000">
+                <a:schemeClr val="tx1"/>
+              </a:gs>
+            </a:gsLst>
+            <a:lin ang="5400000" scaled="0"/>
+          </a:gradFill>
+          <a:latin typeface="+mj-lt"/>
+          <a:ea typeface="+mn-ea"/>
+          <a:cs typeface="Segoe UI" panose="020B0502040204020203" pitchFamily="34" charset="0"/>
+        </a:defRPr>
+      </a:lvl5pPr>
+      <a:lvl6pPr marL="2564548" indent="-233141" algn="l" defTabSz="932563" rtl="0" eaLnBrk="1" latinLnBrk="0" hangingPunct="1">
+        <a:spcBef>
+          <a:spcPct val="20000"/>
+        </a:spcBef>
+        <a:buFont typeface="Arial" pitchFamily="34" charset="0"/>
+        <a:buChar char="•"/>
+        <a:defRPr sz="2000" kern="1200">
+          <a:solidFill>
+            <a:schemeClr val="tx1"/>
+          </a:solidFill>
+          <a:latin typeface="+mn-lt"/>
+          <a:ea typeface="+mn-ea"/>
+          <a:cs typeface="+mn-cs"/>
+        </a:defRPr>
+      </a:lvl6pPr>
+      <a:lvl7pPr marL="3030830" indent="-233141" algn="l" defTabSz="932563" rtl="0" eaLnBrk="1" latinLnBrk="0" hangingPunct="1">
+        <a:spcBef>
+          <a:spcPct val="20000"/>
+        </a:spcBef>
+        <a:buFont typeface="Arial" pitchFamily="34" charset="0"/>
+        <a:buChar char="•"/>
+        <a:defRPr sz="2000" kern="1200">
+          <a:solidFill>
+            <a:schemeClr val="tx1"/>
+          </a:solidFill>
+          <a:latin typeface="+mn-lt"/>
+          <a:ea typeface="+mn-ea"/>
+          <a:cs typeface="+mn-cs"/>
+        </a:defRPr>
+      </a:lvl7pPr>
+      <a:lvl8pPr marL="3497112" indent="-233141" algn="l" defTabSz="932563" rtl="0" eaLnBrk="1" latinLnBrk="0" hangingPunct="1">
+        <a:spcBef>
+          <a:spcPct val="20000"/>
+        </a:spcBef>
+        <a:buFont typeface="Arial" pitchFamily="34" charset="0"/>
+        <a:buChar char="•"/>
+        <a:defRPr sz="2000" kern="1200">
+          <a:solidFill>
+            <a:schemeClr val="tx1"/>
+          </a:solidFill>
+          <a:latin typeface="+mn-lt"/>
+          <a:ea typeface="+mn-ea"/>
+          <a:cs typeface="+mn-cs"/>
+        </a:defRPr>
+      </a:lvl8pPr>
+      <a:lvl9pPr marL="3963394" indent="-233141" algn="l" defTabSz="932563" rtl="0" eaLnBrk="1" latinLnBrk="0" hangingPunct="1">
+        <a:spcBef>
+          <a:spcPct val="20000"/>
+        </a:spcBef>
+        <a:buFont typeface="Arial" pitchFamily="34" charset="0"/>
+        <a:buChar char="•"/>
+        <a:defRPr sz="2000" kern="1200">
+          <a:solidFill>
+            <a:schemeClr val="tx1"/>
+          </a:solidFill>
+          <a:latin typeface="+mn-lt"/>
+          <a:ea typeface="+mn-ea"/>
+          <a:cs typeface="+mn-cs"/>
+        </a:defRPr>
+      </a:lvl9pPr>
+    </p:bodyStyle>
+    <p:otherStyle>
+      <a:defPPr>
+        <a:defRPr lang="en-US"/>
+      </a:defPPr>
+      <a:lvl1pPr marL="0" algn="l" defTabSz="932563" rtl="0" eaLnBrk="1" latinLnBrk="0" hangingPunct="1">
+        <a:defRPr sz="1800" kern="1200">
+          <a:solidFill>
+            <a:schemeClr val="tx1"/>
+          </a:solidFill>
+          <a:latin typeface="+mn-lt"/>
+          <a:ea typeface="+mn-ea"/>
+          <a:cs typeface="+mn-cs"/>
+        </a:defRPr>
+      </a:lvl1pPr>
+      <a:lvl2pPr marL="466281" algn="l" defTabSz="932563" rtl="0" eaLnBrk="1" latinLnBrk="0" hangingPunct="1">
+        <a:defRPr sz="1800" kern="1200">
+          <a:solidFill>
+            <a:schemeClr val="tx1"/>
+          </a:solidFill>
+          <a:latin typeface="+mn-lt"/>
+          <a:ea typeface="+mn-ea"/>
+          <a:cs typeface="+mn-cs"/>
+        </a:defRPr>
+      </a:lvl2pPr>
+      <a:lvl3pPr marL="932563" algn="l" defTabSz="932563" rtl="0" eaLnBrk="1" latinLnBrk="0" hangingPunct="1">
+        <a:defRPr sz="1800" kern="1200">
+          <a:solidFill>
+            <a:schemeClr val="tx1"/>
+          </a:solidFill>
+          <a:latin typeface="+mn-lt"/>
+          <a:ea typeface="+mn-ea"/>
+          <a:cs typeface="+mn-cs"/>
+        </a:defRPr>
+      </a:lvl3pPr>
+      <a:lvl4pPr marL="1398844" algn="l" defTabSz="932563" rtl="0" eaLnBrk="1" latinLnBrk="0" hangingPunct="1">
+        <a:defRPr sz="1800" kern="1200">
+          <a:solidFill>
+            <a:schemeClr val="tx1"/>
+          </a:solidFill>
+          <a:latin typeface="+mn-lt"/>
+          <a:ea typeface="+mn-ea"/>
+          <a:cs typeface="+mn-cs"/>
+        </a:defRPr>
+      </a:lvl4pPr>
+      <a:lvl5pPr marL="1865126" algn="l" defTabSz="932563" rtl="0" eaLnBrk="1" latinLnBrk="0" hangingPunct="1">
+        <a:defRPr sz="1800" kern="1200">
+          <a:solidFill>
+            <a:schemeClr val="tx1"/>
+          </a:solidFill>
+          <a:latin typeface="+mn-lt"/>
+          <a:ea typeface="+mn-ea"/>
+          <a:cs typeface="+mn-cs"/>
+        </a:defRPr>
+      </a:lvl5pPr>
+      <a:lvl6pPr marL="2331408" algn="l" defTabSz="932563" rtl="0" eaLnBrk="1" latinLnBrk="0" hangingPunct="1">
+        <a:defRPr sz="1800" kern="1200">
+          <a:solidFill>
+            <a:schemeClr val="tx1"/>
+          </a:solidFill>
+          <a:latin typeface="+mn-lt"/>
+          <a:ea typeface="+mn-ea"/>
+          <a:cs typeface="+mn-cs"/>
+        </a:defRPr>
+      </a:lvl6pPr>
+      <a:lvl7pPr marL="2797689" algn="l" defTabSz="932563" rtl="0" eaLnBrk="1" latinLnBrk="0" hangingPunct="1">
+        <a:defRPr sz="1800" kern="1200">
+          <a:solidFill>
+            <a:schemeClr val="tx1"/>
+          </a:solidFill>
+          <a:latin typeface="+mn-lt"/>
+          <a:ea typeface="+mn-ea"/>
+          <a:cs typeface="+mn-cs"/>
+        </a:defRPr>
+      </a:lvl7pPr>
+      <a:lvl8pPr marL="3263970" algn="l" defTabSz="932563" rtl="0" eaLnBrk="1" latinLnBrk="0" hangingPunct="1">
+        <a:defRPr sz="1800" kern="1200">
+          <a:solidFill>
+            <a:schemeClr val="tx1"/>
+          </a:solidFill>
+          <a:latin typeface="+mn-lt"/>
+          <a:ea typeface="+mn-ea"/>
+          <a:cs typeface="+mn-cs"/>
+        </a:defRPr>
+      </a:lvl8pPr>
+      <a:lvl9pPr marL="3730253" algn="l" defTabSz="932563" rtl="0" eaLnBrk="1" latinLnBrk="0" hangingPunct="1">
+        <a:defRPr sz="1800" kern="1200">
+          <a:solidFill>
+            <a:schemeClr val="tx1"/>
+          </a:solidFill>
+          <a:latin typeface="+mn-lt"/>
+          <a:ea typeface="+mn-ea"/>
+          <a:cs typeface="+mn-cs"/>
+        </a:defRPr>
+      </a:lvl9pPr>
+    </p:otherStyle>
+  </p:txStyles>
+  <p:extLst mod="1">
+    <p:ext uri="{27BBF7A9-308A-43DC-89C8-2F10F3537804}">
+      <p15:sldGuideLst xmlns:p15="http://schemas.microsoft.com/office/powerpoint/2012/main">
+        <p15:guide id="1" orient="horz" pos="187">
+          <p15:clr>
+            <a:srgbClr val="5ACBF0"/>
+          </p15:clr>
+        </p15:guide>
+        <p15:guide id="2" pos="173">
+          <p15:clr>
+            <a:srgbClr val="5ACBF0"/>
+          </p15:clr>
+        </p15:guide>
+        <p15:guide id="3" orient="horz" pos="763">
+          <p15:clr>
+            <a:srgbClr val="A4A3A4"/>
+          </p15:clr>
+        </p15:guide>
+        <p15:guide id="4" orient="horz" pos="1339">
+          <p15:clr>
+            <a:srgbClr val="A4A3A4"/>
+          </p15:clr>
+        </p15:guide>
+        <p15:guide id="5" orient="horz" pos="1915">
+          <p15:clr>
+            <a:srgbClr val="A4A3A4"/>
+          </p15:clr>
+        </p15:guide>
+        <p15:guide id="6" orient="horz" pos="2491">
+          <p15:clr>
+            <a:srgbClr val="A4A3A4"/>
+          </p15:clr>
+        </p15:guide>
+        <p15:guide id="7" orient="horz" pos="3067">
+          <p15:clr>
+            <a:srgbClr val="A4A3A4"/>
+          </p15:clr>
+        </p15:guide>
+        <p15:guide id="8" orient="horz" pos="3643">
+          <p15:clr>
+            <a:srgbClr val="A4A3A4"/>
+          </p15:clr>
+        </p15:guide>
+        <p15:guide id="9" orient="horz" pos="4219">
+          <p15:clr>
+            <a:srgbClr val="5ACBF0"/>
+          </p15:clr>
+        </p15:guide>
+        <p15:guide id="10" pos="749">
+          <p15:clr>
+            <a:srgbClr val="A4A3A4"/>
+          </p15:clr>
+        </p15:guide>
+        <p15:guide id="11" pos="1325">
+          <p15:clr>
+            <a:srgbClr val="A4A3A4"/>
+          </p15:clr>
+        </p15:guide>
+        <p15:guide id="12" pos="1901">
+          <p15:clr>
+            <a:srgbClr val="A4A3A4"/>
+          </p15:clr>
+        </p15:guide>
+        <p15:guide id="13" pos="2477">
+          <p15:clr>
+            <a:srgbClr val="A4A3A4"/>
+          </p15:clr>
+        </p15:guide>
+        <p15:guide id="14" pos="3053">
+          <p15:clr>
+            <a:srgbClr val="A4A3A4"/>
+          </p15:clr>
+        </p15:guide>
+        <p15:guide id="15" pos="3629">
+          <p15:clr>
+            <a:srgbClr val="A4A3A4"/>
+          </p15:clr>
+        </p15:guide>
+        <p15:guide id="16" pos="4205">
+          <p15:clr>
+            <a:srgbClr val="A4A3A4"/>
+          </p15:clr>
+        </p15:guide>
+        <p15:guide id="17" pos="4781">
+          <p15:clr>
+            <a:srgbClr val="A4A3A4"/>
+          </p15:clr>
+        </p15:guide>
+        <p15:guide id="18" pos="5357">
+          <p15:clr>
+            <a:srgbClr val="A4A3A4"/>
+          </p15:clr>
+        </p15:guide>
+        <p15:guide id="19" pos="5933">
+          <p15:clr>
+            <a:srgbClr val="A4A3A4"/>
+          </p15:clr>
+        </p15:guide>
+        <p15:guide id="20" pos="6509">
+          <p15:clr>
+            <a:srgbClr val="A4A3A4"/>
+          </p15:clr>
+        </p15:guide>
+        <p15:guide id="21" pos="7085">
+          <p15:clr>
+            <a:srgbClr val="A4A3A4"/>
+          </p15:clr>
+        </p15:guide>
+        <p15:guide id="22" pos="7661">
+          <p15:clr>
+            <a:srgbClr val="5ACBF0"/>
+          </p15:clr>
+        </p15:guide>
+      </p15:sldGuideLst>
+    </p:ext>
+  </p:extLst>
+</p:sldMaster>
+</file>
+
+<file path=ppt/slideMasters/slideMaster2.xml><?xml version="1.0" encoding="utf-8"?>
+<p:sldMaster xmlns:a="http://schemas.openxmlformats.org/drawingml/2006/main" xmlns:r="http://schemas.openxmlformats.org/officeDocument/2006/relationships" xmlns:p="http://schemas.openxmlformats.org/presentationml/2006/main" preserve="1">
+  <p:cSld>
+    <p:bg>
+      <p:bgPr>
+        <a:solidFill>
+          <a:srgbClr val="1574B8"/>
+        </a:solidFill>
+        <a:effectLst/>
+      </p:bgPr>
+    </p:bg>
+    <p:spTree>
+      <p:nvGrpSpPr>
+        <p:cNvPr id="1" name=""/>
+        <p:cNvGrpSpPr/>
+        <p:nvPr/>
+      </p:nvGrpSpPr>
+      <p:grpSpPr>
+        <a:xfrm>
+          <a:off x="0" y="0"/>
+          <a:ext cx="0" cy="0"/>
+          <a:chOff x="0" y="0"/>
+          <a:chExt cx="0" cy="0"/>
+        </a:xfrm>
+      </p:grpSpPr>
+      <p:sp>
+        <p:nvSpPr>
+          <p:cNvPr id="2" name="Title Placeholder 1"/>
+          <p:cNvSpPr>
+            <a:spLocks noGrp="1"/>
+          </p:cNvSpPr>
+          <p:nvPr>
+            <p:ph type="title"/>
+          </p:nvPr>
+        </p:nvSpPr>
+        <p:spPr>
+          <a:xfrm>
+            <a:off x="274321" y="296898"/>
+            <a:ext cx="11773301" cy="917575"/>
+          </a:xfrm>
+          <a:prstGeom prst="rect">
+            <a:avLst/>
+          </a:prstGeom>
+        </p:spPr>
+        <p:txBody>
+          <a:bodyPr vert="horz" wrap="square" lIns="146304" tIns="91440" rIns="146304" bIns="91440" rtlCol="0" anchor="t">
+            <a:noAutofit/>
+          </a:bodyPr>
+          <a:lstStyle/>
+          <a:p>
+            <a:r>
+              <a:rPr lang="en-US"/>
+              <a:t>Click to edit Master title style</a:t>
+            </a:r>
+            <a:endParaRPr lang="en-US" dirty="0"/>
+          </a:p>
+        </p:txBody>
+      </p:sp>
+      <p:sp>
+        <p:nvSpPr>
+          <p:cNvPr id="4" name="Text Placeholder 3"/>
+          <p:cNvSpPr>
+            <a:spLocks noGrp="1"/>
+          </p:cNvSpPr>
+          <p:nvPr>
+            <p:ph type="body" idx="1"/>
+          </p:nvPr>
+        </p:nvSpPr>
+        <p:spPr>
+          <a:xfrm>
+            <a:off x="274641" y="1501959"/>
+            <a:ext cx="11772981" cy="2825132"/>
+          </a:xfrm>
+          <a:prstGeom prst="rect">
+            <a:avLst/>
+          </a:prstGeom>
+        </p:spPr>
+        <p:txBody>
+          <a:bodyPr vert="horz" wrap="square" lIns="146304" tIns="91440" rIns="146304" bIns="91440" rtlCol="0">
+            <a:spAutoFit/>
+          </a:bodyPr>
+          <a:lstStyle/>
+          <a:p>
+            <a:pPr lvl="0"/>
+            <a:r>
+              <a:rPr lang="en-US"/>
+              <a:t>Edit Master text styles</a:t>
+            </a:r>
+          </a:p>
+          <a:p>
+            <a:pPr lvl="1"/>
+            <a:r>
+              <a:rPr lang="en-US"/>
+              <a:t>Second level</a:t>
+            </a:r>
+          </a:p>
+          <a:p>
+            <a:pPr lvl="2"/>
+            <a:r>
+              <a:rPr lang="en-US"/>
+              <a:t>Third level</a:t>
+            </a:r>
+          </a:p>
+          <a:p>
+            <a:pPr lvl="3"/>
+            <a:r>
+              <a:rPr lang="en-US"/>
+              <a:t>Fourth level</a:t>
+            </a:r>
+          </a:p>
+          <a:p>
+            <a:pPr lvl="4"/>
+            <a:r>
+              <a:rPr lang="en-US"/>
+              <a:t>Fifth level</a:t>
+            </a:r>
+            <a:endParaRPr lang="en-US" dirty="0"/>
+          </a:p>
+        </p:txBody>
+      </p:sp>
+      <p:pic>
+        <p:nvPicPr>
+          <p:cNvPr id="8" name="Picture 7"/>
+          <p:cNvPicPr>
+            <a:picLocks noChangeAspect="1"/>
+          </p:cNvPicPr>
+          <p:nvPr/>
+        </p:nvPicPr>
+        <p:blipFill>
+          <a:blip r:embed="rId17" cstate="screen">
+            <a:extLst>
+              <a:ext uri="{28A0092B-C50C-407E-A947-70E740481C1C}">
+                <a14:useLocalDpi xmlns:a14="http://schemas.microsoft.com/office/drawing/2010/main" val="0"/>
+              </a:ext>
+            </a:extLst>
+          </a:blip>
+          <a:stretch>
+            <a:fillRect/>
+          </a:stretch>
+        </p:blipFill>
+        <p:spPr bwMode="invGray">
+          <a:xfrm>
+            <a:off x="11006409" y="6630300"/>
+            <a:ext cx="1303291" cy="285582"/>
+          </a:xfrm>
+          <a:prstGeom prst="rect">
+            <a:avLst/>
+          </a:prstGeom>
+        </p:spPr>
+      </p:pic>
+    </p:spTree>
+    <p:extLst>
+      <p:ext uri="{BB962C8B-B14F-4D97-AF65-F5344CB8AC3E}">
+        <p14:creationId xmlns:p14="http://schemas.microsoft.com/office/powerpoint/2010/main" val="54051290"/>
+      </p:ext>
+    </p:extLst>
+  </p:cSld>
+  <p:clrMap bg1="dk1" tx1="lt1" bg2="dk2" tx2="lt2" accent1="accent1" accent2="accent2" accent3="accent3" accent4="accent4" accent5="accent5" accent6="accent6" hlink="hlink" folHlink="folHlink"/>
+  <p:sldLayoutIdLst>
+    <p:sldLayoutId id="2147484493" r:id="rId1"/>
+    <p:sldLayoutId id="2147484494" r:id="rId2"/>
+    <p:sldLayoutId id="2147484495" r:id="rId3"/>
+    <p:sldLayoutId id="2147484496" r:id="rId4"/>
+    <p:sldLayoutId id="2147484497" r:id="rId5"/>
+    <p:sldLayoutId id="2147484498" r:id="rId6"/>
+    <p:sldLayoutId id="2147484499" r:id="rId7"/>
+    <p:sldLayoutId id="2147484500" r:id="rId8"/>
+    <p:sldLayoutId id="2147484501" r:id="rId9"/>
+    <p:sldLayoutId id="2147484502" r:id="rId10"/>
+    <p:sldLayoutId id="2147484503" r:id="rId11"/>
+    <p:sldLayoutId id="2147484504" r:id="rId12"/>
+    <p:sldLayoutId id="2147484505" r:id="rId13"/>
+    <p:sldLayoutId id="2147484506" r:id="rId14"/>
+    <p:sldLayoutId id="2147484507" r:id="rId15"/>
   </p:sldLayoutIdLst>
   <p:transition>
     <p:fade/>
@@ -36242,30 +39223,6 @@
           </a:p>
         </p:txBody>
       </p:sp>
-      <p:sp>
-        <p:nvSpPr>
-          <p:cNvPr id="2" name="Text Placeholder 1"/>
-          <p:cNvSpPr>
-            <a:spLocks noGrp="1"/>
-          </p:cNvSpPr>
-          <p:nvPr>
-            <p:ph type="body" sz="quarter" idx="4294967295"/>
-          </p:nvPr>
-        </p:nvSpPr>
-        <p:spPr>
-          <a:xfrm>
-            <a:off x="0" y="4624388"/>
-            <a:ext cx="11466513" cy="749757"/>
-          </a:xfrm>
-        </p:spPr>
-        <p:txBody>
-          <a:bodyPr/>
-          <a:lstStyle/>
-          <a:p>
-            <a:endParaRPr lang="en-US" dirty="0"/>
-          </a:p>
-        </p:txBody>
-      </p:sp>
     </p:spTree>
     <p:extLst>
       <p:ext uri="{BB962C8B-B14F-4D97-AF65-F5344CB8AC3E}">
@@ -39444,7 +42401,7 @@
 </file>
 
 <file path=ppt/slides/slide38.xml><?xml version="1.0" encoding="utf-8"?>
-<p:sld xmlns:a="http://schemas.openxmlformats.org/drawingml/2006/main" xmlns:r="http://schemas.openxmlformats.org/officeDocument/2006/relationships" xmlns:p="http://schemas.openxmlformats.org/presentationml/2006/main">
+<p:sld xmlns:a="http://schemas.openxmlformats.org/drawingml/2006/main" xmlns:r="http://schemas.openxmlformats.org/officeDocument/2006/relationships" xmlns:p="http://schemas.openxmlformats.org/presentationml/2006/main" show="0">
   <p:cSld>
     <p:spTree>
       <p:nvGrpSpPr>
@@ -44392,9 +47349,9 @@
 </file>
 
 <file path=ppt/theme/theme2.xml><?xml version="1.0" encoding="utf-8"?>
-<a:theme xmlns:a="http://schemas.openxmlformats.org/drawingml/2006/main" name="Office Theme">
+<a:theme xmlns:a="http://schemas.openxmlformats.org/drawingml/2006/main" name="1_Windows Azure">
   <a:themeElements>
-    <a:clrScheme name="Office">
+    <a:clrScheme name="Custom 1">
       <a:dk1>
         <a:sysClr val="windowText" lastClr="000000"/>
       </a:dk1>
@@ -44402,205 +47359,101 @@
         <a:sysClr val="window" lastClr="FFFFFF"/>
       </a:lt1>
       <a:dk2>
-        <a:srgbClr val="1F497D"/>
+        <a:srgbClr val="44546A"/>
       </a:dk2>
       <a:lt2>
-        <a:srgbClr val="EEECE1"/>
+        <a:srgbClr val="E7E6E6"/>
       </a:lt2>
       <a:accent1>
-        <a:srgbClr val="4F81BD"/>
+        <a:srgbClr val="5B9BD5"/>
       </a:accent1>
       <a:accent2>
-        <a:srgbClr val="C0504D"/>
+        <a:srgbClr val="ED7D31"/>
       </a:accent2>
       <a:accent3>
-        <a:srgbClr val="9BBB59"/>
+        <a:srgbClr val="A5A5A5"/>
       </a:accent3>
       <a:accent4>
-        <a:srgbClr val="8064A2"/>
+        <a:srgbClr val="9CC3E5"/>
       </a:accent4>
       <a:accent5>
-        <a:srgbClr val="4BACC6"/>
+        <a:srgbClr val="4472C4"/>
       </a:accent5>
       <a:accent6>
-        <a:srgbClr val="F79646"/>
+        <a:srgbClr val="70AD47"/>
       </a:accent6>
       <a:hlink>
-        <a:srgbClr val="0000FF"/>
+        <a:srgbClr val="FFC000"/>
       </a:hlink>
       <a:folHlink>
-        <a:srgbClr val="800080"/>
+        <a:srgbClr val="954F72"/>
       </a:folHlink>
     </a:clrScheme>
-    <a:fontScheme name="Office">
+    <a:fontScheme name="Custom 1">
       <a:majorFont>
-        <a:latin typeface="Calibri"/>
+        <a:latin typeface="Segoe UI Light"/>
         <a:ea typeface=""/>
         <a:cs typeface=""/>
-        <a:font script="Jpan" typeface="ＭＳ Ｐゴシック"/>
-        <a:font script="Hang" typeface="맑은 고딕"/>
-        <a:font script="Hans" typeface="宋体"/>
-        <a:font script="Hant" typeface="新細明體"/>
-        <a:font script="Arab" typeface="Times New Roman"/>
-        <a:font script="Hebr" typeface="Times New Roman"/>
-        <a:font script="Thai" typeface="Angsana New"/>
-        <a:font script="Ethi" typeface="Nyala"/>
-        <a:font script="Beng" typeface="Vrinda"/>
-        <a:font script="Gujr" typeface="Shruti"/>
-        <a:font script="Khmr" typeface="MoolBoran"/>
-        <a:font script="Knda" typeface="Tunga"/>
-        <a:font script="Guru" typeface="Raavi"/>
-        <a:font script="Cans" typeface="Euphemia"/>
-        <a:font script="Cher" typeface="Plantagenet Cherokee"/>
-        <a:font script="Yiii" typeface="Microsoft Yi Baiti"/>
-        <a:font script="Tibt" typeface="Microsoft Himalaya"/>
-        <a:font script="Thaa" typeface="MV Boli"/>
-        <a:font script="Deva" typeface="Mangal"/>
-        <a:font script="Telu" typeface="Gautami"/>
-        <a:font script="Taml" typeface="Latha"/>
-        <a:font script="Syrc" typeface="Estrangelo Edessa"/>
-        <a:font script="Orya" typeface="Kalinga"/>
-        <a:font script="Mlym" typeface="Kartika"/>
-        <a:font script="Laoo" typeface="DokChampa"/>
-        <a:font script="Sinh" typeface="Iskoola Pota"/>
-        <a:font script="Mong" typeface="Mongolian Baiti"/>
-        <a:font script="Viet" typeface="Times New Roman"/>
-        <a:font script="Uigh" typeface="Microsoft Uighur"/>
       </a:majorFont>
       <a:minorFont>
-        <a:latin typeface="Calibri"/>
+        <a:latin typeface="Segoe UI"/>
         <a:ea typeface=""/>
         <a:cs typeface=""/>
-        <a:font script="Jpan" typeface="ＭＳ Ｐゴシック"/>
-        <a:font script="Hang" typeface="맑은 고딕"/>
-        <a:font script="Hans" typeface="宋体"/>
-        <a:font script="Hant" typeface="新細明體"/>
-        <a:font script="Arab" typeface="Arial"/>
-        <a:font script="Hebr" typeface="Arial"/>
-        <a:font script="Thai" typeface="Cordia New"/>
-        <a:font script="Ethi" typeface="Nyala"/>
-        <a:font script="Beng" typeface="Vrinda"/>
-        <a:font script="Gujr" typeface="Shruti"/>
-        <a:font script="Khmr" typeface="DaunPenh"/>
-        <a:font script="Knda" typeface="Tunga"/>
-        <a:font script="Guru" typeface="Raavi"/>
-        <a:font script="Cans" typeface="Euphemia"/>
-        <a:font script="Cher" typeface="Plantagenet Cherokee"/>
-        <a:font script="Yiii" typeface="Microsoft Yi Baiti"/>
-        <a:font script="Tibt" typeface="Microsoft Himalaya"/>
-        <a:font script="Thaa" typeface="MV Boli"/>
-        <a:font script="Deva" typeface="Mangal"/>
-        <a:font script="Telu" typeface="Gautami"/>
-        <a:font script="Taml" typeface="Latha"/>
-        <a:font script="Syrc" typeface="Estrangelo Edessa"/>
-        <a:font script="Orya" typeface="Kalinga"/>
-        <a:font script="Mlym" typeface="Kartika"/>
-        <a:font script="Laoo" typeface="DokChampa"/>
-        <a:font script="Sinh" typeface="Iskoola Pota"/>
-        <a:font script="Mong" typeface="Mongolian Baiti"/>
-        <a:font script="Viet" typeface="Arial"/>
-        <a:font script="Uigh" typeface="Microsoft Uighur"/>
       </a:minorFont>
     </a:fontScheme>
-    <a:fmtScheme name="Office">
+    <a:fmtScheme name="Couture">
       <a:fillStyleLst>
         <a:solidFill>
           <a:schemeClr val="phClr"/>
         </a:solidFill>
-        <a:gradFill rotWithShape="1">
-          <a:gsLst>
-            <a:gs pos="0">
-              <a:schemeClr val="phClr">
-                <a:tint val="50000"/>
-                <a:satMod val="300000"/>
-              </a:schemeClr>
-            </a:gs>
-            <a:gs pos="35000">
-              <a:schemeClr val="phClr">
-                <a:tint val="37000"/>
-                <a:satMod val="300000"/>
-              </a:schemeClr>
-            </a:gs>
-            <a:gs pos="100000">
-              <a:schemeClr val="phClr">
-                <a:tint val="15000"/>
-                <a:satMod val="350000"/>
-              </a:schemeClr>
-            </a:gs>
-          </a:gsLst>
-          <a:lin ang="16200000" scaled="1"/>
-        </a:gradFill>
-        <a:gradFill rotWithShape="1">
-          <a:gsLst>
-            <a:gs pos="0">
-              <a:schemeClr val="phClr">
-                <a:shade val="51000"/>
-                <a:satMod val="130000"/>
-              </a:schemeClr>
-            </a:gs>
-            <a:gs pos="80000">
-              <a:schemeClr val="phClr">
-                <a:shade val="93000"/>
-                <a:satMod val="130000"/>
-              </a:schemeClr>
-            </a:gs>
-            <a:gs pos="100000">
-              <a:schemeClr val="phClr">
-                <a:shade val="94000"/>
-                <a:satMod val="135000"/>
-              </a:schemeClr>
-            </a:gs>
-          </a:gsLst>
-          <a:lin ang="16200000" scaled="0"/>
-        </a:gradFill>
+        <a:solidFill>
+          <a:schemeClr val="phClr">
+            <a:tint val="65000"/>
+          </a:schemeClr>
+        </a:solidFill>
+        <a:solidFill>
+          <a:schemeClr val="phClr">
+            <a:shade val="80000"/>
+            <a:satMod val="180000"/>
+          </a:schemeClr>
+        </a:solidFill>
       </a:fillStyleLst>
       <a:lnStyleLst>
         <a:ln w="9525" cap="flat" cmpd="sng" algn="ctr">
-          <a:solidFill>
-            <a:schemeClr val="phClr">
-              <a:shade val="95000"/>
-              <a:satMod val="105000"/>
-            </a:schemeClr>
-          </a:solidFill>
-          <a:prstDash val="solid"/>
-        </a:ln>
-        <a:ln w="25400" cap="flat" cmpd="sng" algn="ctr">
           <a:solidFill>
             <a:schemeClr val="phClr"/>
           </a:solidFill>
           <a:prstDash val="solid"/>
         </a:ln>
-        <a:ln w="38100" cap="flat" cmpd="sng" algn="ctr">
+        <a:ln w="10795" cap="flat" cmpd="sng" algn="ctr">
           <a:solidFill>
             <a:schemeClr val="phClr"/>
+          </a:solidFill>
+          <a:prstDash val="solid"/>
+        </a:ln>
+        <a:ln w="17145" cap="flat" cmpd="sng" algn="ctr">
+          <a:solidFill>
+            <a:schemeClr val="phClr">
+              <a:shade val="95000"/>
+              <a:alpha val="50000"/>
+              <a:satMod val="150000"/>
+            </a:schemeClr>
           </a:solidFill>
           <a:prstDash val="solid"/>
         </a:ln>
       </a:lnStyleLst>
       <a:effectStyleLst>
         <a:effectStyle>
-          <a:effectLst>
-            <a:outerShdw blurRad="40000" dist="20000" dir="5400000" rotWithShape="0">
-              <a:srgbClr val="000000">
-                <a:alpha val="38000"/>
-              </a:srgbClr>
-            </a:outerShdw>
-          </a:effectLst>
+          <a:effectLst/>
+        </a:effectStyle>
+        <a:effectStyle>
+          <a:effectLst/>
         </a:effectStyle>
         <a:effectStyle>
           <a:effectLst>
-            <a:outerShdw blurRad="40000" dist="23000" dir="5400000" rotWithShape="0">
+            <a:outerShdw blurRad="44450" dist="13970" dir="5400000" algn="ctr" rotWithShape="0">
               <a:srgbClr val="000000">
-                <a:alpha val="35000"/>
-              </a:srgbClr>
-            </a:outerShdw>
-          </a:effectLst>
-        </a:effectStyle>
-        <a:effectStyle>
-          <a:effectLst>
-            <a:outerShdw blurRad="40000" dist="23000" dir="5400000" rotWithShape="0">
-              <a:srgbClr val="000000">
-                <a:alpha val="35000"/>
+                <a:alpha val="45000"/>
               </a:srgbClr>
             </a:outerShdw>
           </a:effectLst>
@@ -44608,12 +47461,10 @@
             <a:camera prst="orthographicFront">
               <a:rot lat="0" lon="0" rev="0"/>
             </a:camera>
-            <a:lightRig rig="threePt" dir="t">
-              <a:rot lat="0" lon="0" rev="1200000"/>
-            </a:lightRig>
+            <a:lightRig rig="twoPt" dir="tl"/>
           </a:scene3d>
-          <a:sp3d>
-            <a:bevelT w="63500" h="25400"/>
+          <a:sp3d prstMaterial="flat">
+            <a:bevelT w="19050" h="31750" prst="coolSlant"/>
           </a:sp3d>
         </a:effectStyle>
       </a:effectStyleLst>
@@ -44669,8 +47520,133 @@
       </a:bgFillStyleLst>
     </a:fmtScheme>
   </a:themeElements>
-  <a:objectDefaults/>
+  <a:objectDefaults>
+    <a:spDef>
+      <a:spPr bwMode="auto">
+        <a:solidFill>
+          <a:schemeClr val="accent1"/>
+        </a:solidFill>
+        <a:ln>
+          <a:noFill/>
+          <a:headEnd type="none" w="med" len="med"/>
+          <a:tailEnd type="none" w="med" len="med"/>
+        </a:ln>
+        <a:effectLst/>
+      </a:spPr>
+      <a:bodyPr rot="0" spcFirstLastPara="0" vertOverflow="overflow" horzOverflow="overflow" vert="horz" wrap="square" lIns="182880" tIns="146304" rIns="182880" bIns="146304" numCol="1" spcCol="0" rtlCol="0" fromWordArt="0" anchor="t" anchorCtr="0" forceAA="0" compatLnSpc="1">
+        <a:prstTxWarp prst="textNoShape">
+          <a:avLst/>
+        </a:prstTxWarp>
+        <a:noAutofit/>
+      </a:bodyPr>
+      <a:lstStyle>
+        <a:defPPr defTabSz="932472" fontAlgn="base">
+          <a:lnSpc>
+            <a:spcPct val="90000"/>
+          </a:lnSpc>
+          <a:spcBef>
+            <a:spcPct val="0"/>
+          </a:spcBef>
+          <a:spcAft>
+            <a:spcPct val="0"/>
+          </a:spcAft>
+          <a:defRPr sz="2400" dirty="0" err="1" smtClean="0">
+            <a:gradFill>
+              <a:gsLst>
+                <a:gs pos="0">
+                  <a:srgbClr val="FFFFFF"/>
+                </a:gs>
+                <a:gs pos="100000">
+                  <a:srgbClr val="FFFFFF"/>
+                </a:gs>
+              </a:gsLst>
+              <a:lin ang="5400000" scaled="0"/>
+            </a:gradFill>
+            <a:ea typeface="Segoe UI" pitchFamily="34" charset="0"/>
+            <a:cs typeface="Segoe UI" pitchFamily="34" charset="0"/>
+          </a:defRPr>
+        </a:defPPr>
+      </a:lstStyle>
+      <a:style>
+        <a:lnRef idx="1">
+          <a:schemeClr val="accent2"/>
+        </a:lnRef>
+        <a:fillRef idx="3">
+          <a:schemeClr val="accent2"/>
+        </a:fillRef>
+        <a:effectRef idx="2">
+          <a:schemeClr val="accent2"/>
+        </a:effectRef>
+        <a:fontRef idx="minor">
+          <a:schemeClr val="lt1"/>
+        </a:fontRef>
+      </a:style>
+    </a:spDef>
+    <a:lnDef>
+      <a:spPr>
+        <a:ln>
+          <a:solidFill>
+            <a:schemeClr val="tx1"/>
+          </a:solidFill>
+          <a:headEnd type="none"/>
+          <a:tailEnd type="none"/>
+        </a:ln>
+      </a:spPr>
+      <a:bodyPr/>
+      <a:lstStyle/>
+      <a:style>
+        <a:lnRef idx="1">
+          <a:schemeClr val="accent1"/>
+        </a:lnRef>
+        <a:fillRef idx="0">
+          <a:schemeClr val="accent1"/>
+        </a:fillRef>
+        <a:effectRef idx="0">
+          <a:schemeClr val="accent1"/>
+        </a:effectRef>
+        <a:fontRef idx="minor">
+          <a:schemeClr val="tx1"/>
+        </a:fontRef>
+      </a:style>
+    </a:lnDef>
+    <a:txDef>
+      <a:spPr>
+        <a:noFill/>
+      </a:spPr>
+      <a:bodyPr wrap="square" lIns="182880" tIns="146304" rIns="182880" bIns="146304" rtlCol="0">
+        <a:spAutoFit/>
+      </a:bodyPr>
+      <a:lstStyle>
+        <a:defPPr>
+          <a:lnSpc>
+            <a:spcPct val="90000"/>
+          </a:lnSpc>
+          <a:spcAft>
+            <a:spcPts val="600"/>
+          </a:spcAft>
+          <a:defRPr sz="2400" dirty="0" err="1" smtClean="0">
+            <a:gradFill>
+              <a:gsLst>
+                <a:gs pos="2917">
+                  <a:schemeClr val="tx1"/>
+                </a:gs>
+                <a:gs pos="30000">
+                  <a:schemeClr val="tx1"/>
+                </a:gs>
+              </a:gsLst>
+              <a:lin ang="5400000" scaled="0"/>
+            </a:gradFill>
+          </a:defRPr>
+        </a:defPPr>
+      </a:lstStyle>
+    </a:txDef>
+  </a:objectDefaults>
   <a:extraClrSchemeLst/>
+  <a:extLst>
+    <a:ext uri="{05A4C25C-085E-4340-85A3-A5531E510DB2}">
+      <thm15:themeFamily xmlns:thm15="http://schemas.microsoft.com/office/thememl/2012/main" name="GSI Architect Workshop Template.potx" id="{A28382A3-38E4-4C61-8F63-2E5C29CAAD5C}" vid="{8F476405-2F79-4B8C-90DC-8EA1F5CF2DD5}"/>
+    </a:ext>
+  </a:extLst>
 </a:theme>
 </file>
 
@@ -44957,7 +47933,305 @@
 </a:theme>
 </file>
 
+<file path=ppt/theme/theme4.xml><?xml version="1.0" encoding="utf-8"?>
+<a:theme xmlns:a="http://schemas.openxmlformats.org/drawingml/2006/main" name="Office Theme">
+  <a:themeElements>
+    <a:clrScheme name="Office">
+      <a:dk1>
+        <a:sysClr val="windowText" lastClr="000000"/>
+      </a:dk1>
+      <a:lt1>
+        <a:sysClr val="window" lastClr="FFFFFF"/>
+      </a:lt1>
+      <a:dk2>
+        <a:srgbClr val="1F497D"/>
+      </a:dk2>
+      <a:lt2>
+        <a:srgbClr val="EEECE1"/>
+      </a:lt2>
+      <a:accent1>
+        <a:srgbClr val="4F81BD"/>
+      </a:accent1>
+      <a:accent2>
+        <a:srgbClr val="C0504D"/>
+      </a:accent2>
+      <a:accent3>
+        <a:srgbClr val="9BBB59"/>
+      </a:accent3>
+      <a:accent4>
+        <a:srgbClr val="8064A2"/>
+      </a:accent4>
+      <a:accent5>
+        <a:srgbClr val="4BACC6"/>
+      </a:accent5>
+      <a:accent6>
+        <a:srgbClr val="F79646"/>
+      </a:accent6>
+      <a:hlink>
+        <a:srgbClr val="0000FF"/>
+      </a:hlink>
+      <a:folHlink>
+        <a:srgbClr val="800080"/>
+      </a:folHlink>
+    </a:clrScheme>
+    <a:fontScheme name="Office">
+      <a:majorFont>
+        <a:latin typeface="Calibri"/>
+        <a:ea typeface=""/>
+        <a:cs typeface=""/>
+        <a:font script="Jpan" typeface="ＭＳ Ｐゴシック"/>
+        <a:font script="Hang" typeface="맑은 고딕"/>
+        <a:font script="Hans" typeface="宋体"/>
+        <a:font script="Hant" typeface="新細明體"/>
+        <a:font script="Arab" typeface="Times New Roman"/>
+        <a:font script="Hebr" typeface="Times New Roman"/>
+        <a:font script="Thai" typeface="Angsana New"/>
+        <a:font script="Ethi" typeface="Nyala"/>
+        <a:font script="Beng" typeface="Vrinda"/>
+        <a:font script="Gujr" typeface="Shruti"/>
+        <a:font script="Khmr" typeface="MoolBoran"/>
+        <a:font script="Knda" typeface="Tunga"/>
+        <a:font script="Guru" typeface="Raavi"/>
+        <a:font script="Cans" typeface="Euphemia"/>
+        <a:font script="Cher" typeface="Plantagenet Cherokee"/>
+        <a:font script="Yiii" typeface="Microsoft Yi Baiti"/>
+        <a:font script="Tibt" typeface="Microsoft Himalaya"/>
+        <a:font script="Thaa" typeface="MV Boli"/>
+        <a:font script="Deva" typeface="Mangal"/>
+        <a:font script="Telu" typeface="Gautami"/>
+        <a:font script="Taml" typeface="Latha"/>
+        <a:font script="Syrc" typeface="Estrangelo Edessa"/>
+        <a:font script="Orya" typeface="Kalinga"/>
+        <a:font script="Mlym" typeface="Kartika"/>
+        <a:font script="Laoo" typeface="DokChampa"/>
+        <a:font script="Sinh" typeface="Iskoola Pota"/>
+        <a:font script="Mong" typeface="Mongolian Baiti"/>
+        <a:font script="Viet" typeface="Times New Roman"/>
+        <a:font script="Uigh" typeface="Microsoft Uighur"/>
+      </a:majorFont>
+      <a:minorFont>
+        <a:latin typeface="Calibri"/>
+        <a:ea typeface=""/>
+        <a:cs typeface=""/>
+        <a:font script="Jpan" typeface="ＭＳ Ｐゴシック"/>
+        <a:font script="Hang" typeface="맑은 고딕"/>
+        <a:font script="Hans" typeface="宋体"/>
+        <a:font script="Hant" typeface="新細明體"/>
+        <a:font script="Arab" typeface="Arial"/>
+        <a:font script="Hebr" typeface="Arial"/>
+        <a:font script="Thai" typeface="Cordia New"/>
+        <a:font script="Ethi" typeface="Nyala"/>
+        <a:font script="Beng" typeface="Vrinda"/>
+        <a:font script="Gujr" typeface="Shruti"/>
+        <a:font script="Khmr" typeface="DaunPenh"/>
+        <a:font script="Knda" typeface="Tunga"/>
+        <a:font script="Guru" typeface="Raavi"/>
+        <a:font script="Cans" typeface="Euphemia"/>
+        <a:font script="Cher" typeface="Plantagenet Cherokee"/>
+        <a:font script="Yiii" typeface="Microsoft Yi Baiti"/>
+        <a:font script="Tibt" typeface="Microsoft Himalaya"/>
+        <a:font script="Thaa" typeface="MV Boli"/>
+        <a:font script="Deva" typeface="Mangal"/>
+        <a:font script="Telu" typeface="Gautami"/>
+        <a:font script="Taml" typeface="Latha"/>
+        <a:font script="Syrc" typeface="Estrangelo Edessa"/>
+        <a:font script="Orya" typeface="Kalinga"/>
+        <a:font script="Mlym" typeface="Kartika"/>
+        <a:font script="Laoo" typeface="DokChampa"/>
+        <a:font script="Sinh" typeface="Iskoola Pota"/>
+        <a:font script="Mong" typeface="Mongolian Baiti"/>
+        <a:font script="Viet" typeface="Arial"/>
+        <a:font script="Uigh" typeface="Microsoft Uighur"/>
+      </a:minorFont>
+    </a:fontScheme>
+    <a:fmtScheme name="Office">
+      <a:fillStyleLst>
+        <a:solidFill>
+          <a:schemeClr val="phClr"/>
+        </a:solidFill>
+        <a:gradFill rotWithShape="1">
+          <a:gsLst>
+            <a:gs pos="0">
+              <a:schemeClr val="phClr">
+                <a:tint val="50000"/>
+                <a:satMod val="300000"/>
+              </a:schemeClr>
+            </a:gs>
+            <a:gs pos="35000">
+              <a:schemeClr val="phClr">
+                <a:tint val="37000"/>
+                <a:satMod val="300000"/>
+              </a:schemeClr>
+            </a:gs>
+            <a:gs pos="100000">
+              <a:schemeClr val="phClr">
+                <a:tint val="15000"/>
+                <a:satMod val="350000"/>
+              </a:schemeClr>
+            </a:gs>
+          </a:gsLst>
+          <a:lin ang="16200000" scaled="1"/>
+        </a:gradFill>
+        <a:gradFill rotWithShape="1">
+          <a:gsLst>
+            <a:gs pos="0">
+              <a:schemeClr val="phClr">
+                <a:shade val="51000"/>
+                <a:satMod val="130000"/>
+              </a:schemeClr>
+            </a:gs>
+            <a:gs pos="80000">
+              <a:schemeClr val="phClr">
+                <a:shade val="93000"/>
+                <a:satMod val="130000"/>
+              </a:schemeClr>
+            </a:gs>
+            <a:gs pos="100000">
+              <a:schemeClr val="phClr">
+                <a:shade val="94000"/>
+                <a:satMod val="135000"/>
+              </a:schemeClr>
+            </a:gs>
+          </a:gsLst>
+          <a:lin ang="16200000" scaled="0"/>
+        </a:gradFill>
+      </a:fillStyleLst>
+      <a:lnStyleLst>
+        <a:ln w="9525" cap="flat" cmpd="sng" algn="ctr">
+          <a:solidFill>
+            <a:schemeClr val="phClr">
+              <a:shade val="95000"/>
+              <a:satMod val="105000"/>
+            </a:schemeClr>
+          </a:solidFill>
+          <a:prstDash val="solid"/>
+        </a:ln>
+        <a:ln w="25400" cap="flat" cmpd="sng" algn="ctr">
+          <a:solidFill>
+            <a:schemeClr val="phClr"/>
+          </a:solidFill>
+          <a:prstDash val="solid"/>
+        </a:ln>
+        <a:ln w="38100" cap="flat" cmpd="sng" algn="ctr">
+          <a:solidFill>
+            <a:schemeClr val="phClr"/>
+          </a:solidFill>
+          <a:prstDash val="solid"/>
+        </a:ln>
+      </a:lnStyleLst>
+      <a:effectStyleLst>
+        <a:effectStyle>
+          <a:effectLst>
+            <a:outerShdw blurRad="40000" dist="20000" dir="5400000" rotWithShape="0">
+              <a:srgbClr val="000000">
+                <a:alpha val="38000"/>
+              </a:srgbClr>
+            </a:outerShdw>
+          </a:effectLst>
+        </a:effectStyle>
+        <a:effectStyle>
+          <a:effectLst>
+            <a:outerShdw blurRad="40000" dist="23000" dir="5400000" rotWithShape="0">
+              <a:srgbClr val="000000">
+                <a:alpha val="35000"/>
+              </a:srgbClr>
+            </a:outerShdw>
+          </a:effectLst>
+        </a:effectStyle>
+        <a:effectStyle>
+          <a:effectLst>
+            <a:outerShdw blurRad="40000" dist="23000" dir="5400000" rotWithShape="0">
+              <a:srgbClr val="000000">
+                <a:alpha val="35000"/>
+              </a:srgbClr>
+            </a:outerShdw>
+          </a:effectLst>
+          <a:scene3d>
+            <a:camera prst="orthographicFront">
+              <a:rot lat="0" lon="0" rev="0"/>
+            </a:camera>
+            <a:lightRig rig="threePt" dir="t">
+              <a:rot lat="0" lon="0" rev="1200000"/>
+            </a:lightRig>
+          </a:scene3d>
+          <a:sp3d>
+            <a:bevelT w="63500" h="25400"/>
+          </a:sp3d>
+        </a:effectStyle>
+      </a:effectStyleLst>
+      <a:bgFillStyleLst>
+        <a:solidFill>
+          <a:schemeClr val="phClr"/>
+        </a:solidFill>
+        <a:gradFill rotWithShape="1">
+          <a:gsLst>
+            <a:gs pos="0">
+              <a:schemeClr val="phClr">
+                <a:tint val="40000"/>
+                <a:satMod val="350000"/>
+              </a:schemeClr>
+            </a:gs>
+            <a:gs pos="40000">
+              <a:schemeClr val="phClr">
+                <a:tint val="45000"/>
+                <a:shade val="99000"/>
+                <a:satMod val="350000"/>
+              </a:schemeClr>
+            </a:gs>
+            <a:gs pos="100000">
+              <a:schemeClr val="phClr">
+                <a:shade val="20000"/>
+                <a:satMod val="255000"/>
+              </a:schemeClr>
+            </a:gs>
+          </a:gsLst>
+          <a:path path="circle">
+            <a:fillToRect l="50000" t="-80000" r="50000" b="180000"/>
+          </a:path>
+        </a:gradFill>
+        <a:gradFill rotWithShape="1">
+          <a:gsLst>
+            <a:gs pos="0">
+              <a:schemeClr val="phClr">
+                <a:tint val="80000"/>
+                <a:satMod val="300000"/>
+              </a:schemeClr>
+            </a:gs>
+            <a:gs pos="100000">
+              <a:schemeClr val="phClr">
+                <a:shade val="30000"/>
+                <a:satMod val="200000"/>
+              </a:schemeClr>
+            </a:gs>
+          </a:gsLst>
+          <a:path path="circle">
+            <a:fillToRect l="50000" t="50000" r="50000" b="50000"/>
+          </a:path>
+        </a:gradFill>
+      </a:bgFillStyleLst>
+    </a:fmtScheme>
+  </a:themeElements>
+  <a:objectDefaults/>
+  <a:extraClrSchemeLst/>
+</a:theme>
+</file>
+
 <file path=customXml/item1.xml><?xml version="1.0" encoding="utf-8"?>
+<?mso-contentType ?>
+<FormTemplates xmlns="http://schemas.microsoft.com/sharepoint/v3/contenttype/forms">
+  <Display>DocumentLibraryForm</Display>
+  <Edit>DocumentLibraryForm</Edit>
+  <New>DocumentLibraryForm</New>
+</FormTemplates>
+</file>
+
+<file path=customXml/item2.xml><?xml version="1.0" encoding="utf-8"?>
+<p:properties xmlns:p="http://schemas.microsoft.com/office/2006/metadata/properties" xmlns:xsi="http://www.w3.org/2001/XMLSchema-instance" xmlns:pc="http://schemas.microsoft.com/office/infopath/2007/PartnerControls">
+  <documentManagement/>
+</p:properties>
+</file>
+
+<file path=customXml/item3.xml><?xml version="1.0" encoding="utf-8"?>
 <ct:contentTypeSchema xmlns:ct="http://schemas.microsoft.com/office/2006/metadata/contentType" xmlns:ma="http://schemas.microsoft.com/office/2006/metadata/properties/metaAttributes" ct:_="" ma:_="" ma:contentTypeName="Document" ma:contentTypeID="0x010100C08F381963C77D44A6A91469D5845EE5" ma:contentTypeVersion="2" ma:contentTypeDescription="Create a new document." ma:contentTypeScope="" ma:versionID="66290b1f7725e443aa19cdb7b89371b7">
   <xsd:schema xmlns:xsd="http://www.w3.org/2001/XMLSchema" xmlns:xs="http://www.w3.org/2001/XMLSchema" xmlns:p="http://schemas.microsoft.com/office/2006/metadata/properties" xmlns:ns2="c58f79d2-8dd2-43f0-9a03-e1b9f874d667" targetNamespace="http://schemas.microsoft.com/office/2006/metadata/properties" ma:root="true" ma:fieldsID="27a8e9c299bda407fa38b12f0db042eb" ns2:_="">
     <xsd:import namespace="c58f79d2-8dd2-43f0-9a03-e1b9f874d667"/>
@@ -45105,22 +48379,31 @@
 </ct:contentTypeSchema>
 </file>
 
-<file path=customXml/item2.xml><?xml version="1.0" encoding="utf-8"?>
-<?mso-contentType ?>
-<FormTemplates xmlns="http://schemas.microsoft.com/sharepoint/v3/contenttype/forms">
-  <Display>DocumentLibraryForm</Display>
-  <Edit>DocumentLibraryForm</Edit>
-  <New>DocumentLibraryForm</New>
-</FormTemplates>
+<file path=customXml/itemProps1.xml><?xml version="1.0" encoding="utf-8"?>
+<ds:datastoreItem xmlns:ds="http://schemas.openxmlformats.org/officeDocument/2006/customXml" ds:itemID="{758FDAC0-319D-4A54-8D8E-1D42CB1F8004}">
+  <ds:schemaRefs>
+    <ds:schemaRef ds:uri="http://schemas.microsoft.com/sharepoint/v3/contenttype/forms"/>
+  </ds:schemaRefs>
+</ds:datastoreItem>
 </file>
 
-<file path=customXml/item3.xml><?xml version="1.0" encoding="utf-8"?>
-<p:properties xmlns:p="http://schemas.microsoft.com/office/2006/metadata/properties" xmlns:xsi="http://www.w3.org/2001/XMLSchema-instance" xmlns:pc="http://schemas.microsoft.com/office/infopath/2007/PartnerControls">
-  <documentManagement/>
-</p:properties>
+<file path=customXml/itemProps2.xml><?xml version="1.0" encoding="utf-8"?>
+<ds:datastoreItem xmlns:ds="http://schemas.openxmlformats.org/officeDocument/2006/customXml" ds:itemID="{F990F116-B58F-4255-B05B-DA3808E0E5C6}">
+  <ds:schemaRefs>
+    <ds:schemaRef ds:uri="http://purl.org/dc/terms/"/>
+    <ds:schemaRef ds:uri="http://schemas.openxmlformats.org/package/2006/metadata/core-properties"/>
+    <ds:schemaRef ds:uri="http://schemas.microsoft.com/office/2006/documentManagement/types"/>
+    <ds:schemaRef ds:uri="c58f79d2-8dd2-43f0-9a03-e1b9f874d667"/>
+    <ds:schemaRef ds:uri="http://purl.org/dc/elements/1.1/"/>
+    <ds:schemaRef ds:uri="http://schemas.microsoft.com/office/2006/metadata/properties"/>
+    <ds:schemaRef ds:uri="http://schemas.microsoft.com/office/infopath/2007/PartnerControls"/>
+    <ds:schemaRef ds:uri="http://www.w3.org/XML/1998/namespace"/>
+    <ds:schemaRef ds:uri="http://purl.org/dc/dcmitype/"/>
+  </ds:schemaRefs>
+</ds:datastoreItem>
 </file>
 
-<file path=customXml/itemProps1.xml><?xml version="1.0" encoding="utf-8"?>
+<file path=customXml/itemProps3.xml><?xml version="1.0" encoding="utf-8"?>
 <ds:datastoreItem xmlns:ds="http://schemas.openxmlformats.org/officeDocument/2006/customXml" ds:itemID="{81598620-4D9D-47A9-8E79-594EDD4092C0}">
   <ds:schemaRefs>
     <ds:schemaRef ds:uri="http://schemas.microsoft.com/office/2006/metadata/contentType"/>
@@ -45136,28 +48419,4 @@
     <ds:schemaRef ds:uri="http://schemas.microsoft.com/internal/obd"/>
   </ds:schemaRefs>
 </ds:datastoreItem>
-</file>
-
-<file path=customXml/itemProps2.xml><?xml version="1.0" encoding="utf-8"?>
-<ds:datastoreItem xmlns:ds="http://schemas.openxmlformats.org/officeDocument/2006/customXml" ds:itemID="{758FDAC0-319D-4A54-8D8E-1D42CB1F8004}">
-  <ds:schemaRefs>
-    <ds:schemaRef ds:uri="http://schemas.microsoft.com/sharepoint/v3/contenttype/forms"/>
-  </ds:schemaRefs>
-</ds:datastoreItem>
-</file>
-
-<file path=customXml/itemProps3.xml><?xml version="1.0" encoding="utf-8"?>
-<ds:datastoreItem xmlns:ds="http://schemas.openxmlformats.org/officeDocument/2006/customXml" ds:itemID="{F990F116-B58F-4255-B05B-DA3808E0E5C6}">
-  <ds:schemaRefs>
-    <ds:schemaRef ds:uri="http://purl.org/dc/terms/"/>
-    <ds:schemaRef ds:uri="http://schemas.openxmlformats.org/package/2006/metadata/core-properties"/>
-    <ds:schemaRef ds:uri="http://schemas.microsoft.com/office/2006/documentManagement/types"/>
-    <ds:schemaRef ds:uri="c58f79d2-8dd2-43f0-9a03-e1b9f874d667"/>
-    <ds:schemaRef ds:uri="http://purl.org/dc/elements/1.1/"/>
-    <ds:schemaRef ds:uri="http://schemas.microsoft.com/office/2006/metadata/properties"/>
-    <ds:schemaRef ds:uri="http://schemas.microsoft.com/office/infopath/2007/PartnerControls"/>
-    <ds:schemaRef ds:uri="http://www.w3.org/XML/1998/namespace"/>
-    <ds:schemaRef ds:uri="http://purl.org/dc/dcmitype/"/>
-  </ds:schemaRefs>
-</ds:datastoreItem>
 </file>
--- a/Identity and Access Management.pptx
+++ b/Identity and Access Management.pptx
@@ -344,7 +344,7 @@
               <a:rPr lang="en-US" smtClean="0">
                 <a:latin typeface="Segoe UI" pitchFamily="34" charset="0"/>
               </a:rPr>
-              <a:t>6/23/2016 8:13 PM</a:t>
+              <a:t>8/18/2016 12:20</a:t>
             </a:fld>
             <a:endParaRPr lang="en-US" dirty="0">
               <a:latin typeface="Segoe UI" pitchFamily="34" charset="0"/>
@@ -625,7 +625,7 @@
           <a:p>
             <a:fld id="{38EEC551-8CDA-4EB6-89BB-2A86C9F091C8}" type="datetime8">
               <a:rPr lang="en-US" smtClean="0"/>
-              <a:t>6/23/2016 8:13 PM</a:t>
+              <a:t>8/18/2016 12:20</a:t>
             </a:fld>
             <a:endParaRPr lang="en-US" dirty="0"/>
           </a:p>
@@ -1031,7 +1031,7 @@
           <a:p>
             <a:fld id="{38EEC551-8CDA-4EB6-89BB-2A86C9F091C8}" type="datetime8">
               <a:rPr lang="en-US" smtClean="0"/>
-              <a:t>6/23/2016 8:13 PM</a:t>
+              <a:t>8/18/2016 12:20</a:t>
             </a:fld>
             <a:endParaRPr lang="en-US" dirty="0"/>
           </a:p>
@@ -1296,7 +1296,7 @@
           <a:p>
             <a:fld id="{38EEC551-8CDA-4EB6-89BB-2A86C9F091C8}" type="datetime8">
               <a:rPr lang="en-US" smtClean="0"/>
-              <a:t>6/23/2016 8:13 PM</a:t>
+              <a:t>8/18/2016 12:20</a:t>
             </a:fld>
             <a:endParaRPr lang="en-US" dirty="0"/>
           </a:p>
@@ -1508,7 +1508,7 @@
           <a:p>
             <a:fld id="{38EEC551-8CDA-4EB6-89BB-2A86C9F091C8}" type="datetime8">
               <a:rPr lang="en-US" smtClean="0"/>
-              <a:t>6/23/2016 8:13 PM</a:t>
+              <a:t>8/18/2016 12:20</a:t>
             </a:fld>
             <a:endParaRPr lang="en-US" dirty="0"/>
           </a:p>
@@ -1830,7 +1830,7 @@
           <a:p>
             <a:fld id="{38EEC551-8CDA-4EB6-89BB-2A86C9F091C8}" type="datetime8">
               <a:rPr lang="en-US" smtClean="0"/>
-              <a:t>6/23/2016 8:13 PM</a:t>
+              <a:t>8/18/2016 12:20</a:t>
             </a:fld>
             <a:endParaRPr lang="en-US" dirty="0"/>
           </a:p>
@@ -2042,7 +2042,7 @@
           <a:p>
             <a:fld id="{38EEC551-8CDA-4EB6-89BB-2A86C9F091C8}" type="datetime8">
               <a:rPr lang="en-US" smtClean="0"/>
-              <a:t>6/23/2016 8:13 PM</a:t>
+              <a:t>8/18/2016 12:20</a:t>
             </a:fld>
             <a:endParaRPr lang="en-US" dirty="0"/>
           </a:p>
@@ -2290,7 +2290,7 @@
           <a:p>
             <a:fld id="{38EEC551-8CDA-4EB6-89BB-2A86C9F091C8}" type="datetime8">
               <a:rPr lang="en-US" smtClean="0"/>
-              <a:t>6/23/2016 8:13 PM</a:t>
+              <a:t>8/18/2016 12:20</a:t>
             </a:fld>
             <a:endParaRPr lang="en-US" dirty="0"/>
           </a:p>
@@ -2475,7 +2475,7 @@
           <a:p>
             <a:fld id="{38EEC551-8CDA-4EB6-89BB-2A86C9F091C8}" type="datetime8">
               <a:rPr lang="en-US" smtClean="0"/>
-              <a:t>6/23/2016 8:13 PM</a:t>
+              <a:t>8/18/2016 12:20</a:t>
             </a:fld>
             <a:endParaRPr lang="en-US" dirty="0"/>
           </a:p>
@@ -2730,7 +2730,7 @@
           <a:p>
             <a:fld id="{38EEC551-8CDA-4EB6-89BB-2A86C9F091C8}" type="datetime8">
               <a:rPr lang="en-US" smtClean="0"/>
-              <a:t>6/23/2016 8:13 PM</a:t>
+              <a:t>8/18/2016 12:20</a:t>
             </a:fld>
             <a:endParaRPr lang="en-US" dirty="0"/>
           </a:p>
@@ -2965,7 +2965,7 @@
           <a:p>
             <a:fld id="{38EEC551-8CDA-4EB6-89BB-2A86C9F091C8}" type="datetime8">
               <a:rPr lang="en-US" smtClean="0"/>
-              <a:t>6/23/2016 8:13 PM</a:t>
+              <a:t>8/18/2016 12:20</a:t>
             </a:fld>
             <a:endParaRPr lang="en-US" dirty="0"/>
           </a:p>
@@ -3169,7 +3169,7 @@
           <a:p>
             <a:fld id="{38EEC551-8CDA-4EB6-89BB-2A86C9F091C8}" type="datetime8">
               <a:rPr lang="en-US" smtClean="0"/>
-              <a:t>6/23/2016 8:13 PM</a:t>
+              <a:t>8/18/2016 12:20</a:t>
             </a:fld>
             <a:endParaRPr lang="en-US" dirty="0"/>
           </a:p>
@@ -3360,7 +3360,7 @@
           <a:p>
             <a:fld id="{38EEC551-8CDA-4EB6-89BB-2A86C9F091C8}" type="datetime8">
               <a:rPr lang="en-US" smtClean="0"/>
-              <a:t>6/23/2016 8:13 PM</a:t>
+              <a:t>8/18/2016 12:20</a:t>
             </a:fld>
             <a:endParaRPr lang="en-US" dirty="0"/>
           </a:p>
@@ -3679,7 +3679,7 @@
           <a:p>
             <a:fld id="{38EEC551-8CDA-4EB6-89BB-2A86C9F091C8}" type="datetime8">
               <a:rPr lang="en-US" smtClean="0"/>
-              <a:t>6/23/2016 8:13 PM</a:t>
+              <a:t>8/18/2016 12:20</a:t>
             </a:fld>
             <a:endParaRPr lang="en-US" dirty="0"/>
           </a:p>
@@ -3937,7 +3937,7 @@
           <a:p>
             <a:fld id="{38EEC551-8CDA-4EB6-89BB-2A86C9F091C8}" type="datetime8">
               <a:rPr lang="en-US" smtClean="0"/>
-              <a:t>6/23/2016 8:13 PM</a:t>
+              <a:t>8/18/2016 12:20</a:t>
             </a:fld>
             <a:endParaRPr lang="en-US" dirty="0"/>
           </a:p>
@@ -4122,7 +4122,7 @@
           <a:p>
             <a:fld id="{38EEC551-8CDA-4EB6-89BB-2A86C9F091C8}" type="datetime8">
               <a:rPr lang="en-US" smtClean="0"/>
-              <a:t>6/23/2016 8:13 PM</a:t>
+              <a:t>8/18/2016 12:20</a:t>
             </a:fld>
             <a:endParaRPr lang="en-US" dirty="0"/>
           </a:p>
@@ -4482,7 +4482,7 @@
           <a:p>
             <a:fld id="{38EEC551-8CDA-4EB6-89BB-2A86C9F091C8}" type="datetime8">
               <a:rPr lang="en-US" smtClean="0"/>
-              <a:t>6/23/2016 8:13 PM</a:t>
+              <a:t>8/18/2016 12:20</a:t>
             </a:fld>
             <a:endParaRPr lang="en-US" dirty="0"/>
           </a:p>
@@ -4692,7 +4692,7 @@
           <a:p>
             <a:fld id="{38EEC551-8CDA-4EB6-89BB-2A86C9F091C8}" type="datetime8">
               <a:rPr lang="en-US" smtClean="0"/>
-              <a:t>6/23/2016 8:13 PM</a:t>
+              <a:t>8/18/2016 12:20</a:t>
             </a:fld>
             <a:endParaRPr lang="en-US" dirty="0"/>
           </a:p>
@@ -4905,7 +4905,7 @@
           <a:p>
             <a:fld id="{38EEC551-8CDA-4EB6-89BB-2A86C9F091C8}" type="datetime8">
               <a:rPr lang="en-US" smtClean="0"/>
-              <a:t>6/23/2016 8:13 PM</a:t>
+              <a:t>8/18/2016 12:20</a:t>
             </a:fld>
             <a:endParaRPr lang="en-US" dirty="0"/>
           </a:p>
@@ -5131,7 +5131,7 @@
           <a:p>
             <a:fld id="{38EEC551-8CDA-4EB6-89BB-2A86C9F091C8}" type="datetime8">
               <a:rPr lang="en-US" smtClean="0"/>
-              <a:t>6/23/2016 8:13 PM</a:t>
+              <a:t>8/18/2016 12:20</a:t>
             </a:fld>
             <a:endParaRPr lang="en-US" dirty="0"/>
           </a:p>
@@ -5316,7 +5316,7 @@
           <a:p>
             <a:fld id="{38EEC551-8CDA-4EB6-89BB-2A86C9F091C8}" type="datetime8">
               <a:rPr lang="en-US" smtClean="0"/>
-              <a:t>6/23/2016 8:13 PM</a:t>
+              <a:t>8/18/2016 12:20</a:t>
             </a:fld>
             <a:endParaRPr lang="en-US" dirty="0"/>
           </a:p>
@@ -5504,7 +5504,7 @@
           <a:p>
             <a:fld id="{38EEC551-8CDA-4EB6-89BB-2A86C9F091C8}" type="datetime8">
               <a:rPr lang="en-US" smtClean="0"/>
-              <a:t>6/23/2016 8:13 PM</a:t>
+              <a:t>8/18/2016 12:20</a:t>
             </a:fld>
             <a:endParaRPr lang="en-US" dirty="0"/>
           </a:p>
@@ -5807,7 +5807,7 @@
           <a:p>
             <a:fld id="{38EEC551-8CDA-4EB6-89BB-2A86C9F091C8}" type="datetime8">
               <a:rPr lang="en-US" smtClean="0"/>
-              <a:t>6/23/2016 8:13 PM</a:t>
+              <a:t>8/18/2016 12:20</a:t>
             </a:fld>
             <a:endParaRPr lang="en-US" dirty="0"/>
           </a:p>
@@ -6014,7 +6014,7 @@
           <a:p>
             <a:fld id="{38EEC551-8CDA-4EB6-89BB-2A86C9F091C8}" type="datetime8">
               <a:rPr lang="en-US" smtClean="0"/>
-              <a:t>6/23/2016 8:13 PM</a:t>
+              <a:t>8/18/2016 12:20</a:t>
             </a:fld>
             <a:endParaRPr lang="en-US" dirty="0"/>
           </a:p>
@@ -6199,7 +6199,7 @@
           <a:p>
             <a:fld id="{38EEC551-8CDA-4EB6-89BB-2A86C9F091C8}" type="datetime8">
               <a:rPr lang="en-US" smtClean="0"/>
-              <a:t>6/23/2016 8:13 PM</a:t>
+              <a:t>8/18/2016 12:20</a:t>
             </a:fld>
             <a:endParaRPr lang="en-US" dirty="0"/>
           </a:p>
@@ -6437,7 +6437,7 @@
           <a:p>
             <a:fld id="{38EEC551-8CDA-4EB6-89BB-2A86C9F091C8}" type="datetime8">
               <a:rPr lang="en-US" smtClean="0"/>
-              <a:t>6/23/2016 8:13 PM</a:t>
+              <a:t>8/18/2016 12:20</a:t>
             </a:fld>
             <a:endParaRPr lang="en-US" dirty="0"/>
           </a:p>
@@ -6625,7 +6625,7 @@
           <a:p>
             <a:fld id="{38EEC551-8CDA-4EB6-89BB-2A86C9F091C8}" type="datetime8">
               <a:rPr lang="en-US" smtClean="0"/>
-              <a:t>6/23/2016 8:13 PM</a:t>
+              <a:t>8/18/2016 12:20</a:t>
             </a:fld>
             <a:endParaRPr lang="en-US" dirty="0"/>
           </a:p>
@@ -6822,7 +6822,7 @@
           <a:p>
             <a:fld id="{38EEC551-8CDA-4EB6-89BB-2A86C9F091C8}" type="datetime8">
               <a:rPr lang="en-US" smtClean="0"/>
-              <a:t>6/23/2016 8:13 PM</a:t>
+              <a:t>8/18/2016 12:20</a:t>
             </a:fld>
             <a:endParaRPr lang="en-US" dirty="0"/>
           </a:p>
@@ -7030,7 +7030,7 @@
           <a:p>
             <a:fld id="{38EEC551-8CDA-4EB6-89BB-2A86C9F091C8}" type="datetime8">
               <a:rPr lang="en-US" smtClean="0"/>
-              <a:t>6/23/2016 8:13 PM</a:t>
+              <a:t>8/18/2016 12:20</a:t>
             </a:fld>
             <a:endParaRPr lang="en-US" dirty="0"/>
           </a:p>
@@ -7215,7 +7215,7 @@
           <a:p>
             <a:fld id="{38EEC551-8CDA-4EB6-89BB-2A86C9F091C8}" type="datetime8">
               <a:rPr lang="en-US" smtClean="0"/>
-              <a:t>6/23/2016 8:13 PM</a:t>
+              <a:t>8/18/2016 12:20</a:t>
             </a:fld>
             <a:endParaRPr lang="en-US" dirty="0"/>
           </a:p>
@@ -7533,7 +7533,7 @@
           <a:p>
             <a:fld id="{38EEC551-8CDA-4EB6-89BB-2A86C9F091C8}" type="datetime8">
               <a:rPr lang="en-US" smtClean="0"/>
-              <a:t>6/23/2016 8:13 PM</a:t>
+              <a:t>8/18/2016 12:20</a:t>
             </a:fld>
             <a:endParaRPr lang="en-US" dirty="0"/>
           </a:p>
@@ -7881,7 +7881,7 @@
           <a:p>
             <a:fld id="{38EEC551-8CDA-4EB6-89BB-2A86C9F091C8}" type="datetime8">
               <a:rPr lang="en-US" smtClean="0"/>
-              <a:t>6/23/2016 8:13 PM</a:t>
+              <a:t>8/18/2016 12:20</a:t>
             </a:fld>
             <a:endParaRPr lang="en-US" dirty="0"/>
           </a:p>
@@ -8116,7 +8116,7 @@
           <a:p>
             <a:fld id="{38EEC551-8CDA-4EB6-89BB-2A86C9F091C8}" type="datetime8">
               <a:rPr lang="en-US" smtClean="0"/>
-              <a:t>6/23/2016 8:13 PM</a:t>
+              <a:t>8/18/2016 12:20</a:t>
             </a:fld>
             <a:endParaRPr lang="en-US" dirty="0"/>
           </a:p>
@@ -8327,7 +8327,7 @@
           <a:p>
             <a:fld id="{38EEC551-8CDA-4EB6-89BB-2A86C9F091C8}" type="datetime8">
               <a:rPr lang="en-US" smtClean="0"/>
-              <a:t>6/23/2016 8:13 PM</a:t>
+              <a:t>8/18/2016 12:20</a:t>
             </a:fld>
             <a:endParaRPr lang="en-US" dirty="0"/>
           </a:p>
@@ -8527,7 +8527,7 @@
           <a:p>
             <a:fld id="{38EEC551-8CDA-4EB6-89BB-2A86C9F091C8}" type="datetime8">
               <a:rPr lang="en-US" smtClean="0"/>
-              <a:t>6/23/2016 8:13 PM</a:t>
+              <a:t>8/18/2016 12:20</a:t>
             </a:fld>
             <a:endParaRPr lang="en-US" dirty="0"/>
           </a:p>
@@ -8879,7 +8879,7 @@
           <a:p>
             <a:fld id="{38EEC551-8CDA-4EB6-89BB-2A86C9F091C8}" type="datetime8">
               <a:rPr lang="en-US" smtClean="0"/>
-              <a:t>6/23/2016 8:13 PM</a:t>
+              <a:t>8/18/2016 12:20</a:t>
             </a:fld>
             <a:endParaRPr lang="en-US" dirty="0"/>
           </a:p>
@@ -16383,7 +16383,7 @@
 </file>
 
 <file path=ppt/slides/slide13.xml><?xml version="1.0" encoding="utf-8"?>
-<p:sld xmlns:a="http://schemas.openxmlformats.org/drawingml/2006/main" xmlns:r="http://schemas.openxmlformats.org/officeDocument/2006/relationships" xmlns:p="http://schemas.openxmlformats.org/presentationml/2006/main">
+<p:sld xmlns:a="http://schemas.openxmlformats.org/drawingml/2006/main" xmlns:r="http://schemas.openxmlformats.org/officeDocument/2006/relationships" xmlns:p="http://schemas.openxmlformats.org/presentationml/2006/main" show="0">
   <p:cSld>
     <p:spTree>
       <p:nvGrpSpPr>
@@ -48217,21 +48217,6 @@
 </file>
 
 <file path=customXml/item1.xml><?xml version="1.0" encoding="utf-8"?>
-<?mso-contentType ?>
-<FormTemplates xmlns="http://schemas.microsoft.com/sharepoint/v3/contenttype/forms">
-  <Display>DocumentLibraryForm</Display>
-  <Edit>DocumentLibraryForm</Edit>
-  <New>DocumentLibraryForm</New>
-</FormTemplates>
-</file>
-
-<file path=customXml/item2.xml><?xml version="1.0" encoding="utf-8"?>
-<p:properties xmlns:p="http://schemas.microsoft.com/office/2006/metadata/properties" xmlns:xsi="http://www.w3.org/2001/XMLSchema-instance" xmlns:pc="http://schemas.microsoft.com/office/infopath/2007/PartnerControls">
-  <documentManagement/>
-</p:properties>
-</file>
-
-<file path=customXml/item3.xml><?xml version="1.0" encoding="utf-8"?>
 <ct:contentTypeSchema xmlns:ct="http://schemas.microsoft.com/office/2006/metadata/contentType" xmlns:ma="http://schemas.microsoft.com/office/2006/metadata/properties/metaAttributes" ct:_="" ma:_="" ma:contentTypeName="Document" ma:contentTypeID="0x010100C08F381963C77D44A6A91469D5845EE5" ma:contentTypeVersion="2" ma:contentTypeDescription="Create a new document." ma:contentTypeScope="" ma:versionID="66290b1f7725e443aa19cdb7b89371b7">
   <xsd:schema xmlns:xsd="http://www.w3.org/2001/XMLSchema" xmlns:xs="http://www.w3.org/2001/XMLSchema" xmlns:p="http://schemas.microsoft.com/office/2006/metadata/properties" xmlns:ns2="c58f79d2-8dd2-43f0-9a03-e1b9f874d667" targetNamespace="http://schemas.microsoft.com/office/2006/metadata/properties" ma:root="true" ma:fieldsID="27a8e9c299bda407fa38b12f0db042eb" ns2:_="">
     <xsd:import namespace="c58f79d2-8dd2-43f0-9a03-e1b9f874d667"/>
@@ -48379,10 +48364,35 @@
 </ct:contentTypeSchema>
 </file>
 
+<file path=customXml/item2.xml><?xml version="1.0" encoding="utf-8"?>
+<p:properties xmlns:p="http://schemas.microsoft.com/office/2006/metadata/properties" xmlns:xsi="http://www.w3.org/2001/XMLSchema-instance" xmlns:pc="http://schemas.microsoft.com/office/infopath/2007/PartnerControls">
+  <documentManagement/>
+</p:properties>
+</file>
+
+<file path=customXml/item3.xml><?xml version="1.0" encoding="utf-8"?>
+<?mso-contentType ?>
+<FormTemplates xmlns="http://schemas.microsoft.com/sharepoint/v3/contenttype/forms">
+  <Display>DocumentLibraryForm</Display>
+  <Edit>DocumentLibraryForm</Edit>
+  <New>DocumentLibraryForm</New>
+</FormTemplates>
+</file>
+
 <file path=customXml/itemProps1.xml><?xml version="1.0" encoding="utf-8"?>
-<ds:datastoreItem xmlns:ds="http://schemas.openxmlformats.org/officeDocument/2006/customXml" ds:itemID="{758FDAC0-319D-4A54-8D8E-1D42CB1F8004}">
+<ds:datastoreItem xmlns:ds="http://schemas.openxmlformats.org/officeDocument/2006/customXml" ds:itemID="{81598620-4D9D-47A9-8E79-594EDD4092C0}">
   <ds:schemaRefs>
-    <ds:schemaRef ds:uri="http://schemas.microsoft.com/sharepoint/v3/contenttype/forms"/>
+    <ds:schemaRef ds:uri="http://schemas.microsoft.com/office/2006/metadata/contentType"/>
+    <ds:schemaRef ds:uri="http://schemas.microsoft.com/office/2006/metadata/properties/metaAttributes"/>
+    <ds:schemaRef ds:uri="http://www.w3.org/2001/XMLSchema"/>
+    <ds:schemaRef ds:uri="http://schemas.microsoft.com/office/2006/metadata/properties"/>
+    <ds:schemaRef ds:uri="c58f79d2-8dd2-43f0-9a03-e1b9f874d667"/>
+    <ds:schemaRef ds:uri="http://schemas.microsoft.com/office/2006/documentManagement/types"/>
+    <ds:schemaRef ds:uri="http://schemas.microsoft.com/office/infopath/2007/PartnerControls"/>
+    <ds:schemaRef ds:uri="http://schemas.openxmlformats.org/package/2006/metadata/core-properties"/>
+    <ds:schemaRef ds:uri="http://purl.org/dc/elements/1.1/"/>
+    <ds:schemaRef ds:uri="http://purl.org/dc/terms/"/>
+    <ds:schemaRef ds:uri="http://schemas.microsoft.com/internal/obd"/>
   </ds:schemaRefs>
 </ds:datastoreItem>
 </file>
@@ -48404,19 +48414,9 @@
 </file>
 
 <file path=customXml/itemProps3.xml><?xml version="1.0" encoding="utf-8"?>
-<ds:datastoreItem xmlns:ds="http://schemas.openxmlformats.org/officeDocument/2006/customXml" ds:itemID="{81598620-4D9D-47A9-8E79-594EDD4092C0}">
+<ds:datastoreItem xmlns:ds="http://schemas.openxmlformats.org/officeDocument/2006/customXml" ds:itemID="{758FDAC0-319D-4A54-8D8E-1D42CB1F8004}">
   <ds:schemaRefs>
-    <ds:schemaRef ds:uri="http://schemas.microsoft.com/office/2006/metadata/contentType"/>
-    <ds:schemaRef ds:uri="http://schemas.microsoft.com/office/2006/metadata/properties/metaAttributes"/>
-    <ds:schemaRef ds:uri="http://www.w3.org/2001/XMLSchema"/>
-    <ds:schemaRef ds:uri="http://schemas.microsoft.com/office/2006/metadata/properties"/>
-    <ds:schemaRef ds:uri="c58f79d2-8dd2-43f0-9a03-e1b9f874d667"/>
-    <ds:schemaRef ds:uri="http://schemas.microsoft.com/office/2006/documentManagement/types"/>
-    <ds:schemaRef ds:uri="http://schemas.microsoft.com/office/infopath/2007/PartnerControls"/>
-    <ds:schemaRef ds:uri="http://schemas.openxmlformats.org/package/2006/metadata/core-properties"/>
-    <ds:schemaRef ds:uri="http://purl.org/dc/elements/1.1/"/>
-    <ds:schemaRef ds:uri="http://purl.org/dc/terms/"/>
-    <ds:schemaRef ds:uri="http://schemas.microsoft.com/internal/obd"/>
+    <ds:schemaRef ds:uri="http://schemas.microsoft.com/sharepoint/v3/contenttype/forms"/>
   </ds:schemaRefs>
 </ds:datastoreItem>
 </file>